--- a/slides/mapreduce/3.2_mapreduce_without_combiners.pptx
+++ b/slides/mapreduce/3.2_mapreduce_without_combiners.pptx
@@ -16,12 +16,15 @@
     <p:sldId id="261" r:id="rId10"/>
     <p:sldId id="262" r:id="rId11"/>
     <p:sldId id="263" r:id="rId12"/>
-    <p:sldId id="264" r:id="rId13"/>
-    <p:sldId id="289" r:id="rId14"/>
-    <p:sldId id="290" r:id="rId15"/>
-    <p:sldId id="291" r:id="rId16"/>
-    <p:sldId id="292" r:id="rId17"/>
-    <p:sldId id="288" r:id="rId18"/>
+    <p:sldId id="293" r:id="rId13"/>
+    <p:sldId id="264" r:id="rId14"/>
+    <p:sldId id="294" r:id="rId15"/>
+    <p:sldId id="289" r:id="rId16"/>
+    <p:sldId id="290" r:id="rId17"/>
+    <p:sldId id="295" r:id="rId18"/>
+    <p:sldId id="291" r:id="rId19"/>
+    <p:sldId id="292" r:id="rId20"/>
+    <p:sldId id="288" r:id="rId21"/>
   </p:sldIdLst>
   <p:sldSz cx="12192000" cy="6858000"/>
   <p:notesSz cx="6858000" cy="9144000"/>
@@ -6690,13 +6693,8 @@
           <a:p>
             <a:r>
               <a:rPr lang="en-US" dirty="0"/>
-              <a:t>Mahmoud </a:t>
-            </a:r>
-            <a:r>
-              <a:rPr lang="en-US"/>
-              <a:t>(Max) Parsian</a:t>
-            </a:r>
-            <a:endParaRPr lang="en-US" dirty="0"/>
+              <a:t>Mahmoud  Parsian</a:t>
+            </a:r>
           </a:p>
           <a:p>
             <a:r>
@@ -6971,7 +6969,7 @@
           <a:p>
             <a:r>
               <a:rPr lang="en-US" dirty="0"/>
-              <a:t>Reducer function</a:t>
+              <a:t>Reducer function (longer version)</a:t>
             </a:r>
           </a:p>
         </p:txBody>
@@ -7084,7 +7082,7 @@
                 <a:latin typeface="Consolas" panose="020B0609020204030204" pitchFamily="49" charset="0"/>
                 <a:cs typeface="Consolas" panose="020B0609020204030204" pitchFamily="49" charset="0"/>
               </a:rPr>
-              <a:t>   sum = 0.0</a:t>
+              <a:t>   total = 0.0</a:t>
             </a:r>
           </a:p>
           <a:p>
@@ -7141,7 +7139,7 @@
                 <a:latin typeface="Consolas" panose="020B0609020204030204" pitchFamily="49" charset="0"/>
                 <a:cs typeface="Consolas" panose="020B0609020204030204" pitchFamily="49" charset="0"/>
               </a:rPr>
-              <a:t>      sum += v</a:t>
+              <a:t>      total += v</a:t>
             </a:r>
           </a:p>
           <a:p>
@@ -7198,7 +7196,7 @@
                 <a:latin typeface="Consolas" panose="020B0609020204030204" pitchFamily="49" charset="0"/>
                 <a:cs typeface="Consolas" panose="020B0609020204030204" pitchFamily="49" charset="0"/>
               </a:rPr>
-              <a:t>   average = sum / count</a:t>
+              <a:t>   average = total / count</a:t>
             </a:r>
           </a:p>
           <a:p>
@@ -7375,26 +7373,17 @@
         </p:nvSpPr>
         <p:spPr>
           <a:xfrm>
-            <a:off x="838200" y="84083"/>
-            <a:ext cx="10515600" cy="1093076"/>
-          </a:xfrm>
-        </p:spPr>
-        <p:txBody>
-          <a:bodyPr>
-            <a:normAutofit fontScale="90000"/>
-          </a:bodyPr>
+            <a:off x="838200" y="365125"/>
+            <a:ext cx="10515600" cy="906627"/>
+          </a:xfrm>
+        </p:spPr>
+        <p:txBody>
+          <a:bodyPr/>
           <a:lstStyle/>
           <a:p>
             <a:r>
               <a:rPr lang="en-US" dirty="0"/>
-              <a:t>Reducer function: </a:t>
-            </a:r>
-            <a:br>
-              <a:rPr lang="en-US" dirty="0"/>
-            </a:br>
-            <a:r>
-              <a:rPr lang="en-US" dirty="0"/>
-              <a:t>what if we want to exclude averages less than 25</a:t>
+              <a:t>Reducer function (shorter version)</a:t>
             </a:r>
           </a:p>
         </p:txBody>
@@ -7417,13 +7406,13 @@
         </p:nvSpPr>
         <p:spPr>
           <a:xfrm>
-            <a:off x="838200" y="1177160"/>
-            <a:ext cx="10515600" cy="4999804"/>
+            <a:off x="838200" y="1271752"/>
+            <a:ext cx="10515600" cy="4905211"/>
           </a:xfrm>
         </p:spPr>
         <p:txBody>
           <a:bodyPr>
-            <a:normAutofit fontScale="85000" lnSpcReduction="20000"/>
+            <a:normAutofit/>
           </a:bodyPr>
           <a:lstStyle/>
           <a:p>
@@ -7453,7 +7442,7 @@
                 <a:latin typeface="Consolas" panose="020B0609020204030204" pitchFamily="49" charset="0"/>
                 <a:cs typeface="Consolas" panose="020B0609020204030204" pitchFamily="49" charset="0"/>
               </a:rPr>
-              <a:t>” or “USA”, …</a:t>
+              <a:t>”</a:t>
             </a:r>
           </a:p>
           <a:p>
@@ -7507,7 +7496,7 @@
                 <a:latin typeface="Consolas" panose="020B0609020204030204" pitchFamily="49" charset="0"/>
                 <a:cs typeface="Consolas" panose="020B0609020204030204" pitchFamily="49" charset="0"/>
               </a:rPr>
-              <a:t>   sum = 0.0</a:t>
+              <a:t>   total = sum(values)</a:t>
             </a:r>
           </a:p>
           <a:p>
@@ -7526,7 +7515,27 @@
                 <a:latin typeface="Consolas" panose="020B0609020204030204" pitchFamily="49" charset="0"/>
                 <a:cs typeface="Consolas" panose="020B0609020204030204" pitchFamily="49" charset="0"/>
               </a:rPr>
-              <a:t>   count = 0</a:t>
+              <a:t>   count = </a:t>
+            </a:r>
+            <a:r>
+              <a:rPr lang="en-US" sz="1800" dirty="0" err="1">
+                <a:solidFill>
+                  <a:srgbClr val="0000FF"/>
+                </a:solidFill>
+                <a:latin typeface="Consolas" panose="020B0609020204030204" pitchFamily="49" charset="0"/>
+                <a:cs typeface="Consolas" panose="020B0609020204030204" pitchFamily="49" charset="0"/>
+              </a:rPr>
+              <a:t>len</a:t>
+            </a:r>
+            <a:r>
+              <a:rPr lang="en-US" sz="1800" dirty="0">
+                <a:solidFill>
+                  <a:srgbClr val="0000FF"/>
+                </a:solidFill>
+                <a:latin typeface="Consolas" panose="020B0609020204030204" pitchFamily="49" charset="0"/>
+                <a:cs typeface="Consolas" panose="020B0609020204030204" pitchFamily="49" charset="0"/>
+              </a:rPr>
+              <a:t>(values)</a:t>
             </a:r>
           </a:p>
           <a:p>
@@ -7545,7 +7554,7 @@
                 <a:latin typeface="Consolas" panose="020B0609020204030204" pitchFamily="49" charset="0"/>
                 <a:cs typeface="Consolas" panose="020B0609020204030204" pitchFamily="49" charset="0"/>
               </a:rPr>
-              <a:t>   for v in values {</a:t>
+              <a:t>   average = total / count</a:t>
             </a:r>
           </a:p>
           <a:p>
@@ -7564,140 +7573,7 @@
                 <a:latin typeface="Consolas" panose="020B0609020204030204" pitchFamily="49" charset="0"/>
                 <a:cs typeface="Consolas" panose="020B0609020204030204" pitchFamily="49" charset="0"/>
               </a:rPr>
-              <a:t>      sum += v</a:t>
-            </a:r>
-          </a:p>
-          <a:p>
-            <a:pPr marL="342900" indent="-342900">
-              <a:spcBef>
-                <a:spcPts val="600"/>
-              </a:spcBef>
-              <a:buFont typeface="+mj-lt"/>
-              <a:buAutoNum type="arabicPeriod"/>
-            </a:pPr>
-            <a:r>
-              <a:rPr lang="en-US" sz="1800" dirty="0">
-                <a:solidFill>
-                  <a:srgbClr val="0000FF"/>
-                </a:solidFill>
-                <a:latin typeface="Consolas" panose="020B0609020204030204" pitchFamily="49" charset="0"/>
-                <a:cs typeface="Consolas" panose="020B0609020204030204" pitchFamily="49" charset="0"/>
-              </a:rPr>
-              <a:t>      count += 1</a:t>
-            </a:r>
-          </a:p>
-          <a:p>
-            <a:pPr marL="342900" indent="-342900">
-              <a:spcBef>
-                <a:spcPts val="600"/>
-              </a:spcBef>
-              <a:buFont typeface="+mj-lt"/>
-              <a:buAutoNum type="arabicPeriod"/>
-            </a:pPr>
-            <a:r>
-              <a:rPr lang="en-US" sz="1800" dirty="0">
-                <a:solidFill>
-                  <a:srgbClr val="0000FF"/>
-                </a:solidFill>
-                <a:latin typeface="Consolas" panose="020B0609020204030204" pitchFamily="49" charset="0"/>
-                <a:cs typeface="Consolas" panose="020B0609020204030204" pitchFamily="49" charset="0"/>
-              </a:rPr>
-              <a:t>   }</a:t>
-            </a:r>
-          </a:p>
-          <a:p>
-            <a:pPr marL="342900" indent="-342900">
-              <a:spcBef>
-                <a:spcPts val="600"/>
-              </a:spcBef>
-              <a:buFont typeface="+mj-lt"/>
-              <a:buAutoNum type="arabicPeriod"/>
-            </a:pPr>
-            <a:r>
-              <a:rPr lang="en-US" sz="1800" dirty="0">
-                <a:solidFill>
-                  <a:srgbClr val="0000FF"/>
-                </a:solidFill>
-                <a:latin typeface="Consolas" panose="020B0609020204030204" pitchFamily="49" charset="0"/>
-                <a:cs typeface="Consolas" panose="020B0609020204030204" pitchFamily="49" charset="0"/>
-              </a:rPr>
-              <a:t>   average = sum / count</a:t>
-            </a:r>
-          </a:p>
-          <a:p>
-            <a:pPr marL="342900" indent="-342900">
-              <a:spcBef>
-                <a:spcPts val="600"/>
-              </a:spcBef>
-              <a:buFont typeface="+mj-lt"/>
-              <a:buAutoNum type="arabicPeriod"/>
-            </a:pPr>
-            <a:r>
-              <a:rPr lang="en-US" sz="1800" dirty="0">
-                <a:solidFill>
-                  <a:srgbClr val="FF0000"/>
-                </a:solidFill>
-                <a:latin typeface="Consolas" panose="020B0609020204030204" pitchFamily="49" charset="0"/>
-                <a:cs typeface="Consolas" panose="020B0609020204030204" pitchFamily="49" charset="0"/>
-              </a:rPr>
-              <a:t>   # apply a filter</a:t>
-            </a:r>
-          </a:p>
-          <a:p>
-            <a:pPr marL="342900" indent="-342900">
-              <a:spcBef>
-                <a:spcPts val="600"/>
-              </a:spcBef>
-              <a:buFont typeface="+mj-lt"/>
-              <a:buAutoNum type="arabicPeriod"/>
-            </a:pPr>
-            <a:r>
-              <a:rPr lang="en-US" sz="1800" dirty="0">
-                <a:solidFill>
-                  <a:srgbClr val="002060"/>
-                </a:solidFill>
-                <a:latin typeface="Consolas" panose="020B0609020204030204" pitchFamily="49" charset="0"/>
-                <a:cs typeface="Consolas" panose="020B0609020204030204" pitchFamily="49" charset="0"/>
-              </a:rPr>
-              <a:t>   if (average &gt;= 25) {</a:t>
-            </a:r>
-          </a:p>
-          <a:p>
-            <a:pPr marL="342900" indent="-342900">
-              <a:spcBef>
-                <a:spcPts val="600"/>
-              </a:spcBef>
-              <a:buFont typeface="+mj-lt"/>
-              <a:buAutoNum type="arabicPeriod"/>
-            </a:pPr>
-            <a:r>
-              <a:rPr lang="en-US" sz="1800" dirty="0">
-                <a:solidFill>
-                  <a:srgbClr val="002060"/>
-                </a:solidFill>
-                <a:latin typeface="Consolas" panose="020B0609020204030204" pitchFamily="49" charset="0"/>
-                <a:cs typeface="Consolas" panose="020B0609020204030204" pitchFamily="49" charset="0"/>
-              </a:rPr>
-              <a:t>     emit(key, average)</a:t>
-            </a:r>
-          </a:p>
-          <a:p>
-            <a:pPr marL="342900" indent="-342900">
-              <a:spcBef>
-                <a:spcPts val="600"/>
-              </a:spcBef>
-              <a:buFont typeface="+mj-lt"/>
-              <a:buAutoNum type="arabicPeriod"/>
-            </a:pPr>
-            <a:r>
-              <a:rPr lang="en-US" sz="1800" dirty="0">
-                <a:solidFill>
-                  <a:srgbClr val="002060"/>
-                </a:solidFill>
-                <a:latin typeface="Consolas" panose="020B0609020204030204" pitchFamily="49" charset="0"/>
-                <a:cs typeface="Consolas" panose="020B0609020204030204" pitchFamily="49" charset="0"/>
-              </a:rPr>
-              <a:t>   }</a:t>
+              <a:t>   emit(key, average)</a:t>
             </a:r>
           </a:p>
           <a:p>
@@ -7810,7 +7686,7 @@
     </p:spTree>
     <p:extLst>
       <p:ext uri="{BB962C8B-B14F-4D97-AF65-F5344CB8AC3E}">
-        <p14:creationId xmlns:p14="http://schemas.microsoft.com/office/powerpoint/2010/main" val="3302569515"/>
+        <p14:creationId xmlns:p14="http://schemas.microsoft.com/office/powerpoint/2010/main" val="2259198366"/>
       </p:ext>
     </p:extLst>
   </p:cSld>
@@ -7856,18 +7732,25 @@
         <p:spPr>
           <a:xfrm>
             <a:off x="838200" y="84083"/>
-            <a:ext cx="10515600" cy="683172"/>
+            <a:ext cx="10515600" cy="1093076"/>
           </a:xfrm>
         </p:spPr>
         <p:txBody>
           <a:bodyPr>
-            <a:normAutofit/>
+            <a:normAutofit fontScale="90000"/>
           </a:bodyPr>
           <a:lstStyle/>
           <a:p>
             <a:r>
               <a:rPr lang="en-US" dirty="0"/>
-              <a:t>MapReduce Working Example</a:t>
+              <a:t>Reducer function (longer version): </a:t>
+            </a:r>
+            <a:br>
+              <a:rPr lang="en-US" dirty="0"/>
+            </a:br>
+            <a:r>
+              <a:rPr lang="en-US" dirty="0"/>
+              <a:t>what if we want to exclude averages less than 25</a:t>
             </a:r>
           </a:p>
         </p:txBody>
@@ -7890,31 +7773,306 @@
         </p:nvSpPr>
         <p:spPr>
           <a:xfrm>
-            <a:off x="838200" y="861848"/>
-            <a:ext cx="10515600" cy="5315116"/>
+            <a:off x="838200" y="1177160"/>
+            <a:ext cx="10515600" cy="4999804"/>
           </a:xfrm>
         </p:spPr>
         <p:txBody>
           <a:bodyPr>
-            <a:normAutofit/>
+            <a:normAutofit fontScale="85000" lnSpcReduction="20000"/>
           </a:bodyPr>
           <a:lstStyle/>
           <a:p>
-            <a:pPr marL="0" indent="0">
-              <a:spcBef>
-                <a:spcPts val="600"/>
-              </a:spcBef>
-              <a:buNone/>
-            </a:pPr>
-            <a:r>
-              <a:rPr lang="en-US" sz="2400" b="1" dirty="0">
-                <a:solidFill>
-                  <a:schemeClr val="tx1"/>
-                </a:solidFill>
-                <a:latin typeface="Consolas" panose="020B0609020204030204" pitchFamily="49" charset="0"/>
-                <a:cs typeface="Consolas" panose="020B0609020204030204" pitchFamily="49" charset="0"/>
-              </a:rPr>
-              <a:t>Consider the following input:</a:t>
+            <a:pPr marL="342900" indent="-342900">
+              <a:spcBef>
+                <a:spcPts val="600"/>
+              </a:spcBef>
+              <a:buFont typeface="+mj-lt"/>
+              <a:buAutoNum type="arabicPeriod"/>
+            </a:pPr>
+            <a:r>
+              <a:rPr lang="en-US" sz="1800" dirty="0">
+                <a:latin typeface="Consolas" panose="020B0609020204030204" pitchFamily="49" charset="0"/>
+                <a:cs typeface="Consolas" panose="020B0609020204030204" pitchFamily="49" charset="0"/>
+              </a:rPr>
+              <a:t># key: is a string, like “</a:t>
+            </a:r>
+            <a:r>
+              <a:rPr lang="en-US" sz="1800" dirty="0" err="1">
+                <a:latin typeface="Consolas" panose="020B0609020204030204" pitchFamily="49" charset="0"/>
+                <a:cs typeface="Consolas" panose="020B0609020204030204" pitchFamily="49" charset="0"/>
+              </a:rPr>
+              <a:t>USA,Cupertino</a:t>
+            </a:r>
+            <a:r>
+              <a:rPr lang="en-US" sz="1800" dirty="0">
+                <a:latin typeface="Consolas" panose="020B0609020204030204" pitchFamily="49" charset="0"/>
+                <a:cs typeface="Consolas" panose="020B0609020204030204" pitchFamily="49" charset="0"/>
+              </a:rPr>
+              <a:t>” or “USA”, …</a:t>
+            </a:r>
+          </a:p>
+          <a:p>
+            <a:pPr marL="342900" indent="-342900">
+              <a:spcBef>
+                <a:spcPts val="600"/>
+              </a:spcBef>
+              <a:buFont typeface="+mj-lt"/>
+              <a:buAutoNum type="arabicPeriod"/>
+            </a:pPr>
+            <a:r>
+              <a:rPr lang="en-US" sz="1800" dirty="0">
+                <a:latin typeface="Consolas" panose="020B0609020204030204" pitchFamily="49" charset="0"/>
+                <a:cs typeface="Consolas" panose="020B0609020204030204" pitchFamily="49" charset="0"/>
+              </a:rPr>
+              <a:t># values: [V1, V2, V3, …] </a:t>
+            </a:r>
+          </a:p>
+          <a:p>
+            <a:pPr marL="342900" indent="-342900">
+              <a:spcBef>
+                <a:spcPts val="600"/>
+              </a:spcBef>
+              <a:buFont typeface="+mj-lt"/>
+              <a:buAutoNum type="arabicPeriod"/>
+            </a:pPr>
+            <a:r>
+              <a:rPr lang="en-US" sz="1800" dirty="0">
+                <a:solidFill>
+                  <a:srgbClr val="0000FF"/>
+                </a:solidFill>
+                <a:latin typeface="Consolas" panose="020B0609020204030204" pitchFamily="49" charset="0"/>
+                <a:cs typeface="Consolas" panose="020B0609020204030204" pitchFamily="49" charset="0"/>
+              </a:rPr>
+              <a:t>reduce(key, values) {</a:t>
+            </a:r>
+          </a:p>
+          <a:p>
+            <a:pPr marL="342900" indent="-342900">
+              <a:spcBef>
+                <a:spcPts val="600"/>
+              </a:spcBef>
+              <a:buFont typeface="+mj-lt"/>
+              <a:buAutoNum type="arabicPeriod"/>
+            </a:pPr>
+            <a:r>
+              <a:rPr lang="en-US" sz="1800" dirty="0">
+                <a:solidFill>
+                  <a:srgbClr val="0000FF"/>
+                </a:solidFill>
+                <a:latin typeface="Consolas" panose="020B0609020204030204" pitchFamily="49" charset="0"/>
+                <a:cs typeface="Consolas" panose="020B0609020204030204" pitchFamily="49" charset="0"/>
+              </a:rPr>
+              <a:t>   total = 0.0</a:t>
+            </a:r>
+          </a:p>
+          <a:p>
+            <a:pPr marL="342900" indent="-342900">
+              <a:spcBef>
+                <a:spcPts val="600"/>
+              </a:spcBef>
+              <a:buFont typeface="+mj-lt"/>
+              <a:buAutoNum type="arabicPeriod"/>
+            </a:pPr>
+            <a:r>
+              <a:rPr lang="en-US" sz="1800" dirty="0">
+                <a:solidFill>
+                  <a:srgbClr val="0000FF"/>
+                </a:solidFill>
+                <a:latin typeface="Consolas" panose="020B0609020204030204" pitchFamily="49" charset="0"/>
+                <a:cs typeface="Consolas" panose="020B0609020204030204" pitchFamily="49" charset="0"/>
+              </a:rPr>
+              <a:t>   count = 0</a:t>
+            </a:r>
+          </a:p>
+          <a:p>
+            <a:pPr marL="342900" indent="-342900">
+              <a:spcBef>
+                <a:spcPts val="600"/>
+              </a:spcBef>
+              <a:buFont typeface="+mj-lt"/>
+              <a:buAutoNum type="arabicPeriod"/>
+            </a:pPr>
+            <a:r>
+              <a:rPr lang="en-US" sz="1800" dirty="0">
+                <a:solidFill>
+                  <a:srgbClr val="0000FF"/>
+                </a:solidFill>
+                <a:latin typeface="Consolas" panose="020B0609020204030204" pitchFamily="49" charset="0"/>
+                <a:cs typeface="Consolas" panose="020B0609020204030204" pitchFamily="49" charset="0"/>
+              </a:rPr>
+              <a:t>   for v in values {</a:t>
+            </a:r>
+          </a:p>
+          <a:p>
+            <a:pPr marL="342900" indent="-342900">
+              <a:spcBef>
+                <a:spcPts val="600"/>
+              </a:spcBef>
+              <a:buFont typeface="+mj-lt"/>
+              <a:buAutoNum type="arabicPeriod"/>
+            </a:pPr>
+            <a:r>
+              <a:rPr lang="en-US" sz="1800" dirty="0">
+                <a:solidFill>
+                  <a:srgbClr val="0000FF"/>
+                </a:solidFill>
+                <a:latin typeface="Consolas" panose="020B0609020204030204" pitchFamily="49" charset="0"/>
+                <a:cs typeface="Consolas" panose="020B0609020204030204" pitchFamily="49" charset="0"/>
+              </a:rPr>
+              <a:t>      total += v</a:t>
+            </a:r>
+          </a:p>
+          <a:p>
+            <a:pPr marL="342900" indent="-342900">
+              <a:spcBef>
+                <a:spcPts val="600"/>
+              </a:spcBef>
+              <a:buFont typeface="+mj-lt"/>
+              <a:buAutoNum type="arabicPeriod"/>
+            </a:pPr>
+            <a:r>
+              <a:rPr lang="en-US" sz="1800" dirty="0">
+                <a:solidFill>
+                  <a:srgbClr val="0000FF"/>
+                </a:solidFill>
+                <a:latin typeface="Consolas" panose="020B0609020204030204" pitchFamily="49" charset="0"/>
+                <a:cs typeface="Consolas" panose="020B0609020204030204" pitchFamily="49" charset="0"/>
+              </a:rPr>
+              <a:t>      count += 1</a:t>
+            </a:r>
+          </a:p>
+          <a:p>
+            <a:pPr marL="342900" indent="-342900">
+              <a:spcBef>
+                <a:spcPts val="600"/>
+              </a:spcBef>
+              <a:buFont typeface="+mj-lt"/>
+              <a:buAutoNum type="arabicPeriod"/>
+            </a:pPr>
+            <a:r>
+              <a:rPr lang="en-US" sz="1800" dirty="0">
+                <a:solidFill>
+                  <a:srgbClr val="0000FF"/>
+                </a:solidFill>
+                <a:latin typeface="Consolas" panose="020B0609020204030204" pitchFamily="49" charset="0"/>
+                <a:cs typeface="Consolas" panose="020B0609020204030204" pitchFamily="49" charset="0"/>
+              </a:rPr>
+              <a:t>   }</a:t>
+            </a:r>
+          </a:p>
+          <a:p>
+            <a:pPr marL="342900" indent="-342900">
+              <a:spcBef>
+                <a:spcPts val="600"/>
+              </a:spcBef>
+              <a:buFont typeface="+mj-lt"/>
+              <a:buAutoNum type="arabicPeriod"/>
+            </a:pPr>
+            <a:r>
+              <a:rPr lang="en-US" sz="1800" dirty="0">
+                <a:solidFill>
+                  <a:srgbClr val="0000FF"/>
+                </a:solidFill>
+                <a:latin typeface="Consolas" panose="020B0609020204030204" pitchFamily="49" charset="0"/>
+                <a:cs typeface="Consolas" panose="020B0609020204030204" pitchFamily="49" charset="0"/>
+              </a:rPr>
+              <a:t>   average = total / count</a:t>
+            </a:r>
+          </a:p>
+          <a:p>
+            <a:pPr marL="342900" indent="-342900">
+              <a:spcBef>
+                <a:spcPts val="600"/>
+              </a:spcBef>
+              <a:buFont typeface="+mj-lt"/>
+              <a:buAutoNum type="arabicPeriod"/>
+            </a:pPr>
+            <a:r>
+              <a:rPr lang="en-US" sz="1800" dirty="0">
+                <a:solidFill>
+                  <a:srgbClr val="FF0000"/>
+                </a:solidFill>
+                <a:latin typeface="Consolas" panose="020B0609020204030204" pitchFamily="49" charset="0"/>
+                <a:cs typeface="Consolas" panose="020B0609020204030204" pitchFamily="49" charset="0"/>
+              </a:rPr>
+              <a:t>   # apply a filter</a:t>
+            </a:r>
+          </a:p>
+          <a:p>
+            <a:pPr marL="342900" indent="-342900">
+              <a:spcBef>
+                <a:spcPts val="600"/>
+              </a:spcBef>
+              <a:buFont typeface="+mj-lt"/>
+              <a:buAutoNum type="arabicPeriod"/>
+            </a:pPr>
+            <a:r>
+              <a:rPr lang="en-US" sz="1800" dirty="0">
+                <a:solidFill>
+                  <a:srgbClr val="002060"/>
+                </a:solidFill>
+                <a:latin typeface="Consolas" panose="020B0609020204030204" pitchFamily="49" charset="0"/>
+                <a:cs typeface="Consolas" panose="020B0609020204030204" pitchFamily="49" charset="0"/>
+              </a:rPr>
+              <a:t>   if (average &gt;= 25) {</a:t>
+            </a:r>
+          </a:p>
+          <a:p>
+            <a:pPr marL="342900" indent="-342900">
+              <a:spcBef>
+                <a:spcPts val="600"/>
+              </a:spcBef>
+              <a:buFont typeface="+mj-lt"/>
+              <a:buAutoNum type="arabicPeriod"/>
+            </a:pPr>
+            <a:r>
+              <a:rPr lang="en-US" sz="1800" dirty="0">
+                <a:solidFill>
+                  <a:srgbClr val="002060"/>
+                </a:solidFill>
+                <a:latin typeface="Consolas" panose="020B0609020204030204" pitchFamily="49" charset="0"/>
+                <a:cs typeface="Consolas" panose="020B0609020204030204" pitchFamily="49" charset="0"/>
+              </a:rPr>
+              <a:t>     emit(key, average)</a:t>
+            </a:r>
+          </a:p>
+          <a:p>
+            <a:pPr marL="342900" indent="-342900">
+              <a:spcBef>
+                <a:spcPts val="600"/>
+              </a:spcBef>
+              <a:buFont typeface="+mj-lt"/>
+              <a:buAutoNum type="arabicPeriod"/>
+            </a:pPr>
+            <a:r>
+              <a:rPr lang="en-US" sz="1800" dirty="0">
+                <a:solidFill>
+                  <a:srgbClr val="002060"/>
+                </a:solidFill>
+                <a:latin typeface="Consolas" panose="020B0609020204030204" pitchFamily="49" charset="0"/>
+                <a:cs typeface="Consolas" panose="020B0609020204030204" pitchFamily="49" charset="0"/>
+              </a:rPr>
+              <a:t>   }</a:t>
+            </a:r>
+          </a:p>
+          <a:p>
+            <a:pPr marL="342900" indent="-342900">
+              <a:spcBef>
+                <a:spcPts val="600"/>
+              </a:spcBef>
+              <a:buFont typeface="+mj-lt"/>
+              <a:buAutoNum type="arabicPeriod"/>
+            </a:pPr>
+            <a:r>
+              <a:rPr lang="en-US" sz="1800" dirty="0">
+                <a:solidFill>
+                  <a:srgbClr val="0000FF"/>
+                </a:solidFill>
+                <a:latin typeface="Consolas" panose="020B0609020204030204" pitchFamily="49" charset="0"/>
+                <a:cs typeface="Consolas" panose="020B0609020204030204" pitchFamily="49" charset="0"/>
+              </a:rPr>
+              <a:t>}</a:t>
             </a:r>
           </a:p>
           <a:p>
@@ -7940,14 +8098,14 @@
               <a:buNone/>
             </a:pPr>
             <a:r>
-              <a:rPr lang="en-US" sz="2000" dirty="0">
-                <a:solidFill>
-                  <a:srgbClr val="0000FF"/>
-                </a:solidFill>
-                <a:latin typeface="Consolas" panose="020B0609020204030204" pitchFamily="49" charset="0"/>
-                <a:cs typeface="Consolas" panose="020B0609020204030204" pitchFamily="49" charset="0"/>
-              </a:rPr>
-              <a:t>USA,Cupertino,58</a:t>
+              <a:rPr lang="en-US" sz="1800" dirty="0">
+                <a:solidFill>
+                  <a:srgbClr val="002060"/>
+                </a:solidFill>
+                <a:latin typeface="Consolas" panose="020B0609020204030204" pitchFamily="49" charset="0"/>
+                <a:cs typeface="Consolas" panose="020B0609020204030204" pitchFamily="49" charset="0"/>
+              </a:rPr>
+              <a:t>Output:</a:t>
             </a:r>
           </a:p>
           <a:p>
@@ -7958,14 +8116,34 @@
               <a:buNone/>
             </a:pPr>
             <a:r>
-              <a:rPr lang="en-US" sz="2000" dirty="0">
-                <a:solidFill>
-                  <a:srgbClr val="0000FF"/>
-                </a:solidFill>
-                <a:latin typeface="Consolas" panose="020B0609020204030204" pitchFamily="49" charset="0"/>
-                <a:cs typeface="Consolas" panose="020B0609020204030204" pitchFamily="49" charset="0"/>
-              </a:rPr>
-              <a:t>USA,Cupertino,67</a:t>
+              <a:rPr lang="en-US" sz="1800" dirty="0">
+                <a:solidFill>
+                  <a:srgbClr val="002060"/>
+                </a:solidFill>
+                <a:latin typeface="Consolas" panose="020B0609020204030204" pitchFamily="49" charset="0"/>
+                <a:cs typeface="Consolas" panose="020B0609020204030204" pitchFamily="49" charset="0"/>
+              </a:rPr>
+              <a:t>(“</a:t>
+            </a:r>
+            <a:r>
+              <a:rPr lang="en-US" sz="1800" dirty="0" err="1">
+                <a:solidFill>
+                  <a:srgbClr val="002060"/>
+                </a:solidFill>
+                <a:latin typeface="Consolas" panose="020B0609020204030204" pitchFamily="49" charset="0"/>
+                <a:cs typeface="Consolas" panose="020B0609020204030204" pitchFamily="49" charset="0"/>
+              </a:rPr>
+              <a:t>USA,Cupertino</a:t>
+            </a:r>
+            <a:r>
+              <a:rPr lang="en-US" sz="1800" dirty="0">
+                <a:solidFill>
+                  <a:srgbClr val="002060"/>
+                </a:solidFill>
+                <a:latin typeface="Consolas" panose="020B0609020204030204" pitchFamily="49" charset="0"/>
+                <a:cs typeface="Consolas" panose="020B0609020204030204" pitchFamily="49" charset="0"/>
+              </a:rPr>
+              <a:t>”, 67.80)</a:t>
             </a:r>
           </a:p>
           <a:p>
@@ -7975,149 +8153,20 @@
               </a:spcBef>
               <a:buNone/>
             </a:pPr>
-            <a:r>
-              <a:rPr lang="en-US" sz="2000" dirty="0">
-                <a:solidFill>
-                  <a:srgbClr val="0000FF"/>
-                </a:solidFill>
-                <a:latin typeface="Consolas" panose="020B0609020204030204" pitchFamily="49" charset="0"/>
-                <a:cs typeface="Consolas" panose="020B0609020204030204" pitchFamily="49" charset="0"/>
-              </a:rPr>
-              <a:t>USA,Sunnyvale,88</a:t>
-            </a:r>
-          </a:p>
-          <a:p>
-            <a:pPr marL="0" indent="0">
-              <a:spcBef>
-                <a:spcPts val="600"/>
-              </a:spcBef>
-              <a:buNone/>
-            </a:pPr>
-            <a:r>
-              <a:rPr lang="en-US" sz="2000" dirty="0">
-                <a:solidFill>
-                  <a:srgbClr val="0000FF"/>
-                </a:solidFill>
-                <a:latin typeface="Consolas" panose="020B0609020204030204" pitchFamily="49" charset="0"/>
-                <a:cs typeface="Consolas" panose="020B0609020204030204" pitchFamily="49" charset="0"/>
-              </a:rPr>
-              <a:t>USA,Sunnyvale,77</a:t>
-            </a:r>
-          </a:p>
-          <a:p>
-            <a:pPr marL="0" indent="0">
-              <a:spcBef>
-                <a:spcPts val="600"/>
-              </a:spcBef>
-              <a:buNone/>
-            </a:pPr>
-            <a:r>
-              <a:rPr lang="en-US" sz="2000" dirty="0">
-                <a:solidFill>
-                  <a:srgbClr val="0000FF"/>
-                </a:solidFill>
-                <a:latin typeface="Consolas" panose="020B0609020204030204" pitchFamily="49" charset="0"/>
-                <a:cs typeface="Consolas" panose="020B0609020204030204" pitchFamily="49" charset="0"/>
-              </a:rPr>
-              <a:t>USA,Cupertino,78</a:t>
-            </a:r>
-          </a:p>
-          <a:p>
-            <a:pPr marL="0" indent="0">
-              <a:spcBef>
-                <a:spcPts val="600"/>
-              </a:spcBef>
-              <a:buNone/>
-            </a:pPr>
-            <a:r>
-              <a:rPr lang="en-US" sz="2000" dirty="0">
-                <a:solidFill>
-                  <a:srgbClr val="0000FF"/>
-                </a:solidFill>
-                <a:latin typeface="Consolas" panose="020B0609020204030204" pitchFamily="49" charset="0"/>
-                <a:cs typeface="Consolas" panose="020B0609020204030204" pitchFamily="49" charset="0"/>
-              </a:rPr>
-              <a:t>INDIA,Mumbai,90</a:t>
-            </a:r>
-          </a:p>
-          <a:p>
-            <a:pPr marL="0" indent="0">
-              <a:spcBef>
-                <a:spcPts val="600"/>
-              </a:spcBef>
-              <a:buNone/>
-            </a:pPr>
-            <a:r>
-              <a:rPr lang="en-US" sz="2000" dirty="0">
-                <a:solidFill>
-                  <a:srgbClr val="0000FF"/>
-                </a:solidFill>
-                <a:latin typeface="Consolas" panose="020B0609020204030204" pitchFamily="49" charset="0"/>
-                <a:cs typeface="Consolas" panose="020B0609020204030204" pitchFamily="49" charset="0"/>
-              </a:rPr>
-              <a:t>INDIA,Mumbai,96</a:t>
-            </a:r>
-          </a:p>
-          <a:p>
-            <a:pPr marL="0" indent="0">
-              <a:spcBef>
-                <a:spcPts val="600"/>
-              </a:spcBef>
-              <a:buNone/>
-            </a:pPr>
-            <a:r>
-              <a:rPr lang="en-US" sz="2000" dirty="0">
-                <a:solidFill>
-                  <a:srgbClr val="0000FF"/>
-                </a:solidFill>
-                <a:latin typeface="Consolas" panose="020B0609020204030204" pitchFamily="49" charset="0"/>
-                <a:cs typeface="Consolas" panose="020B0609020204030204" pitchFamily="49" charset="0"/>
-              </a:rPr>
-              <a:t>INDIA,Agra,98</a:t>
-            </a:r>
-          </a:p>
-          <a:p>
-            <a:pPr marL="0" indent="0">
-              <a:spcBef>
-                <a:spcPts val="600"/>
-              </a:spcBef>
-              <a:buNone/>
-            </a:pPr>
-            <a:r>
-              <a:rPr lang="en-US" sz="2000" dirty="0">
-                <a:solidFill>
-                  <a:srgbClr val="0000FF"/>
-                </a:solidFill>
-                <a:latin typeface="Consolas" panose="020B0609020204030204" pitchFamily="49" charset="0"/>
-                <a:cs typeface="Consolas" panose="020B0609020204030204" pitchFamily="49" charset="0"/>
-              </a:rPr>
-              <a:t>INDIA,Agra,92</a:t>
-            </a:r>
-          </a:p>
-          <a:p>
-            <a:pPr marL="0" indent="0">
-              <a:spcBef>
-                <a:spcPts val="600"/>
-              </a:spcBef>
-              <a:buNone/>
-            </a:pPr>
-            <a:r>
-              <a:rPr lang="en-US" sz="1800" dirty="0">
-                <a:solidFill>
-                  <a:srgbClr val="0000FF"/>
-                </a:solidFill>
-                <a:latin typeface="Consolas" panose="020B0609020204030204" pitchFamily="49" charset="0"/>
-                <a:cs typeface="Consolas" panose="020B0609020204030204" pitchFamily="49" charset="0"/>
-              </a:rPr>
-              <a:t>…</a:t>
-            </a:r>
+            <a:endParaRPr lang="en-US" sz="1800" dirty="0">
+              <a:solidFill>
+                <a:srgbClr val="0000FF"/>
+              </a:solidFill>
+              <a:latin typeface="Consolas" panose="020B0609020204030204" pitchFamily="49" charset="0"/>
+              <a:cs typeface="Consolas" panose="020B0609020204030204" pitchFamily="49" charset="0"/>
+            </a:endParaRPr>
           </a:p>
         </p:txBody>
       </p:sp>
     </p:spTree>
     <p:extLst>
       <p:ext uri="{BB962C8B-B14F-4D97-AF65-F5344CB8AC3E}">
-        <p14:creationId xmlns:p14="http://schemas.microsoft.com/office/powerpoint/2010/main" val="1183800940"/>
+        <p14:creationId xmlns:p14="http://schemas.microsoft.com/office/powerpoint/2010/main" val="3302569515"/>
       </p:ext>
     </p:extLst>
   </p:cSld>
@@ -8163,18 +8212,25 @@
         <p:spPr>
           <a:xfrm>
             <a:off x="838200" y="84083"/>
-            <a:ext cx="10515600" cy="683172"/>
+            <a:ext cx="10515600" cy="1093076"/>
           </a:xfrm>
         </p:spPr>
         <p:txBody>
           <a:bodyPr>
-            <a:normAutofit/>
+            <a:normAutofit fontScale="90000"/>
           </a:bodyPr>
           <a:lstStyle/>
           <a:p>
             <a:r>
               <a:rPr lang="en-US" dirty="0"/>
-              <a:t>MapReduce Working Example</a:t>
+              <a:t>Reducer function (shorter version): </a:t>
+            </a:r>
+            <a:br>
+              <a:rPr lang="en-US" dirty="0"/>
+            </a:br>
+            <a:r>
+              <a:rPr lang="en-US" dirty="0"/>
+              <a:t>what if we want to exclude averages less than 25</a:t>
             </a:r>
           </a:p>
         </p:txBody>
@@ -8197,8 +8253,8 @@
         </p:nvSpPr>
         <p:spPr>
           <a:xfrm>
-            <a:off x="838200" y="861848"/>
-            <a:ext cx="10515600" cy="5315116"/>
+            <a:off x="838200" y="1177160"/>
+            <a:ext cx="10515600" cy="4999804"/>
           </a:xfrm>
         </p:spPr>
         <p:txBody>
@@ -8207,21 +8263,240 @@
           </a:bodyPr>
           <a:lstStyle/>
           <a:p>
-            <a:pPr marL="0" indent="0">
-              <a:spcBef>
-                <a:spcPts val="600"/>
-              </a:spcBef>
-              <a:buNone/>
-            </a:pPr>
-            <a:r>
-              <a:rPr lang="en-US" sz="3200" dirty="0">
-                <a:solidFill>
-                  <a:schemeClr val="tx1"/>
-                </a:solidFill>
-                <a:latin typeface="Consolas" panose="020B0609020204030204" pitchFamily="49" charset="0"/>
-                <a:cs typeface="Consolas" panose="020B0609020204030204" pitchFamily="49" charset="0"/>
-              </a:rPr>
-              <a:t>Mappers output:</a:t>
+            <a:pPr marL="342900" indent="-342900">
+              <a:spcBef>
+                <a:spcPts val="600"/>
+              </a:spcBef>
+              <a:buFont typeface="+mj-lt"/>
+              <a:buAutoNum type="arabicPeriod"/>
+            </a:pPr>
+            <a:r>
+              <a:rPr lang="en-US" sz="1800" dirty="0">
+                <a:latin typeface="Consolas" panose="020B0609020204030204" pitchFamily="49" charset="0"/>
+                <a:cs typeface="Consolas" panose="020B0609020204030204" pitchFamily="49" charset="0"/>
+              </a:rPr>
+              <a:t># key: is a string, like “</a:t>
+            </a:r>
+            <a:r>
+              <a:rPr lang="en-US" sz="1800" dirty="0" err="1">
+                <a:latin typeface="Consolas" panose="020B0609020204030204" pitchFamily="49" charset="0"/>
+                <a:cs typeface="Consolas" panose="020B0609020204030204" pitchFamily="49" charset="0"/>
+              </a:rPr>
+              <a:t>USA,Cupertino</a:t>
+            </a:r>
+            <a:r>
+              <a:rPr lang="en-US" sz="1800" dirty="0">
+                <a:latin typeface="Consolas" panose="020B0609020204030204" pitchFamily="49" charset="0"/>
+                <a:cs typeface="Consolas" panose="020B0609020204030204" pitchFamily="49" charset="0"/>
+              </a:rPr>
+              <a:t>” or “USA”, …</a:t>
+            </a:r>
+          </a:p>
+          <a:p>
+            <a:pPr marL="342900" indent="-342900">
+              <a:spcBef>
+                <a:spcPts val="600"/>
+              </a:spcBef>
+              <a:buFont typeface="+mj-lt"/>
+              <a:buAutoNum type="arabicPeriod"/>
+            </a:pPr>
+            <a:r>
+              <a:rPr lang="en-US" sz="1800" dirty="0">
+                <a:latin typeface="Consolas" panose="020B0609020204030204" pitchFamily="49" charset="0"/>
+                <a:cs typeface="Consolas" panose="020B0609020204030204" pitchFamily="49" charset="0"/>
+              </a:rPr>
+              <a:t># values: [V1, V2, V3, …] </a:t>
+            </a:r>
+          </a:p>
+          <a:p>
+            <a:pPr marL="342900" indent="-342900">
+              <a:spcBef>
+                <a:spcPts val="600"/>
+              </a:spcBef>
+              <a:buFont typeface="+mj-lt"/>
+              <a:buAutoNum type="arabicPeriod"/>
+            </a:pPr>
+            <a:r>
+              <a:rPr lang="en-US" sz="1800" dirty="0">
+                <a:solidFill>
+                  <a:srgbClr val="0000FF"/>
+                </a:solidFill>
+                <a:latin typeface="Consolas" panose="020B0609020204030204" pitchFamily="49" charset="0"/>
+                <a:cs typeface="Consolas" panose="020B0609020204030204" pitchFamily="49" charset="0"/>
+              </a:rPr>
+              <a:t>reduce(key, values) {</a:t>
+            </a:r>
+          </a:p>
+          <a:p>
+            <a:pPr marL="342900" indent="-342900">
+              <a:spcBef>
+                <a:spcPts val="600"/>
+              </a:spcBef>
+              <a:buFont typeface="+mj-lt"/>
+              <a:buAutoNum type="arabicPeriod"/>
+            </a:pPr>
+            <a:r>
+              <a:rPr lang="en-US" sz="1800" dirty="0">
+                <a:solidFill>
+                  <a:srgbClr val="0000FF"/>
+                </a:solidFill>
+                <a:latin typeface="Consolas" panose="020B0609020204030204" pitchFamily="49" charset="0"/>
+                <a:cs typeface="Consolas" panose="020B0609020204030204" pitchFamily="49" charset="0"/>
+              </a:rPr>
+              <a:t>   total = sum(values)</a:t>
+            </a:r>
+          </a:p>
+          <a:p>
+            <a:pPr marL="342900" indent="-342900">
+              <a:spcBef>
+                <a:spcPts val="600"/>
+              </a:spcBef>
+              <a:buFont typeface="+mj-lt"/>
+              <a:buAutoNum type="arabicPeriod"/>
+            </a:pPr>
+            <a:r>
+              <a:rPr lang="en-US" sz="1800" dirty="0">
+                <a:solidFill>
+                  <a:srgbClr val="0000FF"/>
+                </a:solidFill>
+                <a:latin typeface="Consolas" panose="020B0609020204030204" pitchFamily="49" charset="0"/>
+                <a:cs typeface="Consolas" panose="020B0609020204030204" pitchFamily="49" charset="0"/>
+              </a:rPr>
+              <a:t>   count = </a:t>
+            </a:r>
+            <a:r>
+              <a:rPr lang="en-US" sz="1800" dirty="0" err="1">
+                <a:solidFill>
+                  <a:srgbClr val="0000FF"/>
+                </a:solidFill>
+                <a:latin typeface="Consolas" panose="020B0609020204030204" pitchFamily="49" charset="0"/>
+                <a:cs typeface="Consolas" panose="020B0609020204030204" pitchFamily="49" charset="0"/>
+              </a:rPr>
+              <a:t>len</a:t>
+            </a:r>
+            <a:r>
+              <a:rPr lang="en-US" sz="1800" dirty="0">
+                <a:solidFill>
+                  <a:srgbClr val="0000FF"/>
+                </a:solidFill>
+                <a:latin typeface="Consolas" panose="020B0609020204030204" pitchFamily="49" charset="0"/>
+                <a:cs typeface="Consolas" panose="020B0609020204030204" pitchFamily="49" charset="0"/>
+              </a:rPr>
+              <a:t>(values)</a:t>
+            </a:r>
+          </a:p>
+          <a:p>
+            <a:pPr marL="342900" indent="-342900">
+              <a:spcBef>
+                <a:spcPts val="600"/>
+              </a:spcBef>
+              <a:buFont typeface="+mj-lt"/>
+              <a:buAutoNum type="arabicPeriod"/>
+            </a:pPr>
+            <a:r>
+              <a:rPr lang="en-US" sz="1800" dirty="0">
+                <a:solidFill>
+                  <a:srgbClr val="0000FF"/>
+                </a:solidFill>
+                <a:latin typeface="Consolas" panose="020B0609020204030204" pitchFamily="49" charset="0"/>
+                <a:cs typeface="Consolas" panose="020B0609020204030204" pitchFamily="49" charset="0"/>
+              </a:rPr>
+              <a:t>   average = total / count</a:t>
+            </a:r>
+          </a:p>
+          <a:p>
+            <a:pPr marL="342900" indent="-342900">
+              <a:spcBef>
+                <a:spcPts val="600"/>
+              </a:spcBef>
+              <a:buFont typeface="+mj-lt"/>
+              <a:buAutoNum type="arabicPeriod"/>
+            </a:pPr>
+            <a:r>
+              <a:rPr lang="en-US" sz="1800" dirty="0">
+                <a:solidFill>
+                  <a:srgbClr val="FF0000"/>
+                </a:solidFill>
+                <a:latin typeface="Consolas" panose="020B0609020204030204" pitchFamily="49" charset="0"/>
+                <a:cs typeface="Consolas" panose="020B0609020204030204" pitchFamily="49" charset="0"/>
+              </a:rPr>
+              <a:t>   # apply a filter</a:t>
+            </a:r>
+          </a:p>
+          <a:p>
+            <a:pPr marL="342900" indent="-342900">
+              <a:spcBef>
+                <a:spcPts val="600"/>
+              </a:spcBef>
+              <a:buFont typeface="+mj-lt"/>
+              <a:buAutoNum type="arabicPeriod"/>
+            </a:pPr>
+            <a:r>
+              <a:rPr lang="en-US" sz="1800" dirty="0">
+                <a:solidFill>
+                  <a:srgbClr val="002060"/>
+                </a:solidFill>
+                <a:latin typeface="Consolas" panose="020B0609020204030204" pitchFamily="49" charset="0"/>
+                <a:cs typeface="Consolas" panose="020B0609020204030204" pitchFamily="49" charset="0"/>
+              </a:rPr>
+              <a:t>   if (average &gt;= 25) {</a:t>
+            </a:r>
+          </a:p>
+          <a:p>
+            <a:pPr marL="342900" indent="-342900">
+              <a:spcBef>
+                <a:spcPts val="600"/>
+              </a:spcBef>
+              <a:buFont typeface="+mj-lt"/>
+              <a:buAutoNum type="arabicPeriod"/>
+            </a:pPr>
+            <a:r>
+              <a:rPr lang="en-US" sz="1800" dirty="0">
+                <a:solidFill>
+                  <a:srgbClr val="002060"/>
+                </a:solidFill>
+                <a:latin typeface="Consolas" panose="020B0609020204030204" pitchFamily="49" charset="0"/>
+                <a:cs typeface="Consolas" panose="020B0609020204030204" pitchFamily="49" charset="0"/>
+              </a:rPr>
+              <a:t>     emit(key, average)</a:t>
+            </a:r>
+          </a:p>
+          <a:p>
+            <a:pPr marL="342900" indent="-342900">
+              <a:spcBef>
+                <a:spcPts val="600"/>
+              </a:spcBef>
+              <a:buFont typeface="+mj-lt"/>
+              <a:buAutoNum type="arabicPeriod"/>
+            </a:pPr>
+            <a:r>
+              <a:rPr lang="en-US" sz="1800" dirty="0">
+                <a:solidFill>
+                  <a:srgbClr val="002060"/>
+                </a:solidFill>
+                <a:latin typeface="Consolas" panose="020B0609020204030204" pitchFamily="49" charset="0"/>
+                <a:cs typeface="Consolas" panose="020B0609020204030204" pitchFamily="49" charset="0"/>
+              </a:rPr>
+              <a:t>   }</a:t>
+            </a:r>
+          </a:p>
+          <a:p>
+            <a:pPr marL="342900" indent="-342900">
+              <a:spcBef>
+                <a:spcPts val="600"/>
+              </a:spcBef>
+              <a:buFont typeface="+mj-lt"/>
+              <a:buAutoNum type="arabicPeriod"/>
+            </a:pPr>
+            <a:r>
+              <a:rPr lang="en-US" sz="1800" dirty="0">
+                <a:solidFill>
+                  <a:srgbClr val="0000FF"/>
+                </a:solidFill>
+                <a:latin typeface="Consolas" panose="020B0609020204030204" pitchFamily="49" charset="0"/>
+                <a:cs typeface="Consolas" panose="020B0609020204030204" pitchFamily="49" charset="0"/>
+              </a:rPr>
+              <a:t>}</a:t>
             </a:r>
           </a:p>
           <a:p>
@@ -8247,9 +8522,27 @@
               <a:buNone/>
             </a:pPr>
             <a:r>
-              <a:rPr lang="en-US" sz="2000" dirty="0">
-                <a:solidFill>
-                  <a:srgbClr val="0000FF"/>
+              <a:rPr lang="en-US" sz="1800" dirty="0">
+                <a:solidFill>
+                  <a:srgbClr val="002060"/>
+                </a:solidFill>
+                <a:latin typeface="Consolas" panose="020B0609020204030204" pitchFamily="49" charset="0"/>
+                <a:cs typeface="Consolas" panose="020B0609020204030204" pitchFamily="49" charset="0"/>
+              </a:rPr>
+              <a:t>Output:</a:t>
+            </a:r>
+          </a:p>
+          <a:p>
+            <a:pPr marL="0" indent="0">
+              <a:spcBef>
+                <a:spcPts val="600"/>
+              </a:spcBef>
+              <a:buNone/>
+            </a:pPr>
+            <a:r>
+              <a:rPr lang="en-US" sz="1800" dirty="0">
+                <a:solidFill>
+                  <a:srgbClr val="002060"/>
                 </a:solidFill>
                 <a:latin typeface="Consolas" panose="020B0609020204030204" pitchFamily="49" charset="0"/>
                 <a:cs typeface="Consolas" panose="020B0609020204030204" pitchFamily="49" charset="0"/>
@@ -8257,9 +8550,9 @@
               <a:t>(“</a:t>
             </a:r>
             <a:r>
-              <a:rPr lang="en-US" sz="2000" dirty="0" err="1">
-                <a:solidFill>
-                  <a:srgbClr val="0000FF"/>
+              <a:rPr lang="en-US" sz="1800" dirty="0" err="1">
+                <a:solidFill>
+                  <a:srgbClr val="002060"/>
                 </a:solidFill>
                 <a:latin typeface="Consolas" panose="020B0609020204030204" pitchFamily="49" charset="0"/>
                 <a:cs typeface="Consolas" panose="020B0609020204030204" pitchFamily="49" charset="0"/>
@@ -8267,14 +8560,14 @@
               <a:t>USA,Cupertino</a:t>
             </a:r>
             <a:r>
-              <a:rPr lang="en-US" sz="2000" dirty="0">
-                <a:solidFill>
-                  <a:srgbClr val="0000FF"/>
-                </a:solidFill>
-                <a:latin typeface="Consolas" panose="020B0609020204030204" pitchFamily="49" charset="0"/>
-                <a:cs typeface="Consolas" panose="020B0609020204030204" pitchFamily="49" charset="0"/>
-              </a:rPr>
-              <a:t>”, 58), (”USA”, 58)</a:t>
+              <a:rPr lang="en-US" sz="1800" dirty="0">
+                <a:solidFill>
+                  <a:srgbClr val="002060"/>
+                </a:solidFill>
+                <a:latin typeface="Consolas" panose="020B0609020204030204" pitchFamily="49" charset="0"/>
+                <a:cs typeface="Consolas" panose="020B0609020204030204" pitchFamily="49" charset="0"/>
+              </a:rPr>
+              <a:t>”, 67.80)</a:t>
             </a:r>
           </a:p>
           <a:p>
@@ -8284,320 +8577,6 @@
               </a:spcBef>
               <a:buNone/>
             </a:pPr>
-            <a:r>
-              <a:rPr lang="en-US" sz="2000" dirty="0">
-                <a:solidFill>
-                  <a:srgbClr val="0000FF"/>
-                </a:solidFill>
-                <a:latin typeface="Consolas" panose="020B0609020204030204" pitchFamily="49" charset="0"/>
-                <a:cs typeface="Consolas" panose="020B0609020204030204" pitchFamily="49" charset="0"/>
-              </a:rPr>
-              <a:t>(“</a:t>
-            </a:r>
-            <a:r>
-              <a:rPr lang="en-US" sz="2000" dirty="0" err="1">
-                <a:solidFill>
-                  <a:srgbClr val="0000FF"/>
-                </a:solidFill>
-                <a:latin typeface="Consolas" panose="020B0609020204030204" pitchFamily="49" charset="0"/>
-                <a:cs typeface="Consolas" panose="020B0609020204030204" pitchFamily="49" charset="0"/>
-              </a:rPr>
-              <a:t>USA,Cupertino</a:t>
-            </a:r>
-            <a:r>
-              <a:rPr lang="en-US" sz="2000" dirty="0">
-                <a:solidFill>
-                  <a:srgbClr val="0000FF"/>
-                </a:solidFill>
-                <a:latin typeface="Consolas" panose="020B0609020204030204" pitchFamily="49" charset="0"/>
-                <a:cs typeface="Consolas" panose="020B0609020204030204" pitchFamily="49" charset="0"/>
-              </a:rPr>
-              <a:t>”, 67), (“USA”, 67)</a:t>
-            </a:r>
-          </a:p>
-          <a:p>
-            <a:pPr marL="0" indent="0">
-              <a:spcBef>
-                <a:spcPts val="600"/>
-              </a:spcBef>
-              <a:buNone/>
-            </a:pPr>
-            <a:r>
-              <a:rPr lang="en-US" sz="2000" dirty="0">
-                <a:solidFill>
-                  <a:srgbClr val="0000FF"/>
-                </a:solidFill>
-                <a:latin typeface="Consolas" panose="020B0609020204030204" pitchFamily="49" charset="0"/>
-                <a:cs typeface="Consolas" panose="020B0609020204030204" pitchFamily="49" charset="0"/>
-              </a:rPr>
-              <a:t>(“</a:t>
-            </a:r>
-            <a:r>
-              <a:rPr lang="en-US" sz="2000" dirty="0" err="1">
-                <a:solidFill>
-                  <a:srgbClr val="0000FF"/>
-                </a:solidFill>
-                <a:latin typeface="Consolas" panose="020B0609020204030204" pitchFamily="49" charset="0"/>
-                <a:cs typeface="Consolas" panose="020B0609020204030204" pitchFamily="49" charset="0"/>
-              </a:rPr>
-              <a:t>USA,Sunnyvale</a:t>
-            </a:r>
-            <a:r>
-              <a:rPr lang="en-US" sz="2000" dirty="0">
-                <a:solidFill>
-                  <a:srgbClr val="0000FF"/>
-                </a:solidFill>
-                <a:latin typeface="Consolas" panose="020B0609020204030204" pitchFamily="49" charset="0"/>
-                <a:cs typeface="Consolas" panose="020B0609020204030204" pitchFamily="49" charset="0"/>
-              </a:rPr>
-              <a:t>”, 88), (“USA”, 88)</a:t>
-            </a:r>
-          </a:p>
-          <a:p>
-            <a:pPr marL="0" indent="0">
-              <a:spcBef>
-                <a:spcPts val="600"/>
-              </a:spcBef>
-              <a:buNone/>
-            </a:pPr>
-            <a:r>
-              <a:rPr lang="en-US" sz="2000" dirty="0">
-                <a:solidFill>
-                  <a:srgbClr val="0000FF"/>
-                </a:solidFill>
-                <a:latin typeface="Consolas" panose="020B0609020204030204" pitchFamily="49" charset="0"/>
-                <a:cs typeface="Consolas" panose="020B0609020204030204" pitchFamily="49" charset="0"/>
-              </a:rPr>
-              <a:t>(“</a:t>
-            </a:r>
-            <a:r>
-              <a:rPr lang="en-US" sz="2000" dirty="0" err="1">
-                <a:solidFill>
-                  <a:srgbClr val="0000FF"/>
-                </a:solidFill>
-                <a:latin typeface="Consolas" panose="020B0609020204030204" pitchFamily="49" charset="0"/>
-                <a:cs typeface="Consolas" panose="020B0609020204030204" pitchFamily="49" charset="0"/>
-              </a:rPr>
-              <a:t>USA,Sunnyvale</a:t>
-            </a:r>
-            <a:r>
-              <a:rPr lang="en-US" sz="2000" dirty="0">
-                <a:solidFill>
-                  <a:srgbClr val="0000FF"/>
-                </a:solidFill>
-                <a:latin typeface="Consolas" panose="020B0609020204030204" pitchFamily="49" charset="0"/>
-                <a:cs typeface="Consolas" panose="020B0609020204030204" pitchFamily="49" charset="0"/>
-              </a:rPr>
-              <a:t>”, 77), (“USA”, 77)</a:t>
-            </a:r>
-          </a:p>
-          <a:p>
-            <a:pPr marL="0" indent="0">
-              <a:spcBef>
-                <a:spcPts val="600"/>
-              </a:spcBef>
-              <a:buNone/>
-            </a:pPr>
-            <a:r>
-              <a:rPr lang="en-US" sz="2000" dirty="0">
-                <a:solidFill>
-                  <a:srgbClr val="0000FF"/>
-                </a:solidFill>
-                <a:latin typeface="Consolas" panose="020B0609020204030204" pitchFamily="49" charset="0"/>
-                <a:cs typeface="Consolas" panose="020B0609020204030204" pitchFamily="49" charset="0"/>
-              </a:rPr>
-              <a:t>(“</a:t>
-            </a:r>
-            <a:r>
-              <a:rPr lang="en-US" sz="2000" dirty="0" err="1">
-                <a:solidFill>
-                  <a:srgbClr val="0000FF"/>
-                </a:solidFill>
-                <a:latin typeface="Consolas" panose="020B0609020204030204" pitchFamily="49" charset="0"/>
-                <a:cs typeface="Consolas" panose="020B0609020204030204" pitchFamily="49" charset="0"/>
-              </a:rPr>
-              <a:t>USA,Cupertino</a:t>
-            </a:r>
-            <a:r>
-              <a:rPr lang="en-US" sz="2000" dirty="0">
-                <a:solidFill>
-                  <a:srgbClr val="0000FF"/>
-                </a:solidFill>
-                <a:latin typeface="Consolas" panose="020B0609020204030204" pitchFamily="49" charset="0"/>
-                <a:cs typeface="Consolas" panose="020B0609020204030204" pitchFamily="49" charset="0"/>
-              </a:rPr>
-              <a:t>”, 78), (“USA”, 78)</a:t>
-            </a:r>
-          </a:p>
-          <a:p>
-            <a:pPr marL="0" indent="0">
-              <a:spcBef>
-                <a:spcPts val="600"/>
-              </a:spcBef>
-              <a:buNone/>
-            </a:pPr>
-            <a:r>
-              <a:rPr lang="en-US" sz="2000" dirty="0">
-                <a:solidFill>
-                  <a:srgbClr val="0000FF"/>
-                </a:solidFill>
-                <a:latin typeface="Consolas" panose="020B0609020204030204" pitchFamily="49" charset="0"/>
-                <a:cs typeface="Consolas" panose="020B0609020204030204" pitchFamily="49" charset="0"/>
-              </a:rPr>
-              <a:t>(“</a:t>
-            </a:r>
-            <a:r>
-              <a:rPr lang="en-US" sz="2000" dirty="0" err="1">
-                <a:solidFill>
-                  <a:srgbClr val="0000FF"/>
-                </a:solidFill>
-                <a:latin typeface="Consolas" panose="020B0609020204030204" pitchFamily="49" charset="0"/>
-                <a:cs typeface="Consolas" panose="020B0609020204030204" pitchFamily="49" charset="0"/>
-              </a:rPr>
-              <a:t>INDIA,Mumbai</a:t>
-            </a:r>
-            <a:r>
-              <a:rPr lang="en-US" sz="2000" dirty="0">
-                <a:solidFill>
-                  <a:srgbClr val="0000FF"/>
-                </a:solidFill>
-                <a:latin typeface="Consolas" panose="020B0609020204030204" pitchFamily="49" charset="0"/>
-                <a:cs typeface="Consolas" panose="020B0609020204030204" pitchFamily="49" charset="0"/>
-              </a:rPr>
-              <a:t>”, 90), (“INDIA”, 90)</a:t>
-            </a:r>
-          </a:p>
-          <a:p>
-            <a:pPr marL="0" indent="0">
-              <a:spcBef>
-                <a:spcPts val="600"/>
-              </a:spcBef>
-              <a:buNone/>
-            </a:pPr>
-            <a:r>
-              <a:rPr lang="en-US" sz="2000" dirty="0">
-                <a:solidFill>
-                  <a:srgbClr val="0000FF"/>
-                </a:solidFill>
-                <a:latin typeface="Consolas" panose="020B0609020204030204" pitchFamily="49" charset="0"/>
-                <a:cs typeface="Consolas" panose="020B0609020204030204" pitchFamily="49" charset="0"/>
-              </a:rPr>
-              <a:t>(“</a:t>
-            </a:r>
-            <a:r>
-              <a:rPr lang="en-US" sz="2000" dirty="0" err="1">
-                <a:solidFill>
-                  <a:srgbClr val="0000FF"/>
-                </a:solidFill>
-                <a:latin typeface="Consolas" panose="020B0609020204030204" pitchFamily="49" charset="0"/>
-                <a:cs typeface="Consolas" panose="020B0609020204030204" pitchFamily="49" charset="0"/>
-              </a:rPr>
-              <a:t>INDIA,Mumbai</a:t>
-            </a:r>
-            <a:r>
-              <a:rPr lang="en-US" sz="2000" dirty="0">
-                <a:solidFill>
-                  <a:srgbClr val="0000FF"/>
-                </a:solidFill>
-                <a:latin typeface="Consolas" panose="020B0609020204030204" pitchFamily="49" charset="0"/>
-                <a:cs typeface="Consolas" panose="020B0609020204030204" pitchFamily="49" charset="0"/>
-              </a:rPr>
-              <a:t>”, 96), (“INDIA”, 96)</a:t>
-            </a:r>
-          </a:p>
-          <a:p>
-            <a:pPr marL="0" indent="0">
-              <a:spcBef>
-                <a:spcPts val="600"/>
-              </a:spcBef>
-              <a:buNone/>
-            </a:pPr>
-            <a:r>
-              <a:rPr lang="en-US" sz="2000" dirty="0">
-                <a:solidFill>
-                  <a:srgbClr val="0000FF"/>
-                </a:solidFill>
-                <a:latin typeface="Consolas" panose="020B0609020204030204" pitchFamily="49" charset="0"/>
-                <a:cs typeface="Consolas" panose="020B0609020204030204" pitchFamily="49" charset="0"/>
-              </a:rPr>
-              <a:t>(“</a:t>
-            </a:r>
-            <a:r>
-              <a:rPr lang="en-US" sz="2000" dirty="0" err="1">
-                <a:solidFill>
-                  <a:srgbClr val="0000FF"/>
-                </a:solidFill>
-                <a:latin typeface="Consolas" panose="020B0609020204030204" pitchFamily="49" charset="0"/>
-                <a:cs typeface="Consolas" panose="020B0609020204030204" pitchFamily="49" charset="0"/>
-              </a:rPr>
-              <a:t>INDIA,Agra</a:t>
-            </a:r>
-            <a:r>
-              <a:rPr lang="en-US" sz="2000" dirty="0">
-                <a:solidFill>
-                  <a:srgbClr val="0000FF"/>
-                </a:solidFill>
-                <a:latin typeface="Consolas" panose="020B0609020204030204" pitchFamily="49" charset="0"/>
-                <a:cs typeface="Consolas" panose="020B0609020204030204" pitchFamily="49" charset="0"/>
-              </a:rPr>
-              <a:t>”, 98), (“INDIA”, 98)</a:t>
-            </a:r>
-          </a:p>
-          <a:p>
-            <a:pPr marL="0" indent="0">
-              <a:spcBef>
-                <a:spcPts val="600"/>
-              </a:spcBef>
-              <a:buNone/>
-            </a:pPr>
-            <a:r>
-              <a:rPr lang="en-US" sz="2000" dirty="0">
-                <a:solidFill>
-                  <a:srgbClr val="0000FF"/>
-                </a:solidFill>
-                <a:latin typeface="Consolas" panose="020B0609020204030204" pitchFamily="49" charset="0"/>
-                <a:cs typeface="Consolas" panose="020B0609020204030204" pitchFamily="49" charset="0"/>
-              </a:rPr>
-              <a:t>(“</a:t>
-            </a:r>
-            <a:r>
-              <a:rPr lang="en-US" sz="2000" dirty="0" err="1">
-                <a:solidFill>
-                  <a:srgbClr val="0000FF"/>
-                </a:solidFill>
-                <a:latin typeface="Consolas" panose="020B0609020204030204" pitchFamily="49" charset="0"/>
-                <a:cs typeface="Consolas" panose="020B0609020204030204" pitchFamily="49" charset="0"/>
-              </a:rPr>
-              <a:t>INDIA,Agra</a:t>
-            </a:r>
-            <a:r>
-              <a:rPr lang="en-US" sz="2000" dirty="0">
-                <a:solidFill>
-                  <a:srgbClr val="0000FF"/>
-                </a:solidFill>
-                <a:latin typeface="Consolas" panose="020B0609020204030204" pitchFamily="49" charset="0"/>
-                <a:cs typeface="Consolas" panose="020B0609020204030204" pitchFamily="49" charset="0"/>
-              </a:rPr>
-              <a:t>”, 92), (“INDIA”, 92)</a:t>
-            </a:r>
-          </a:p>
-          <a:p>
-            <a:pPr marL="0" indent="0">
-              <a:spcBef>
-                <a:spcPts val="600"/>
-              </a:spcBef>
-              <a:buNone/>
-            </a:pPr>
-            <a:r>
-              <a:rPr lang="en-US" sz="2000" dirty="0">
-                <a:solidFill>
-                  <a:srgbClr val="0000FF"/>
-                </a:solidFill>
-                <a:latin typeface="Consolas" panose="020B0609020204030204" pitchFamily="49" charset="0"/>
-                <a:cs typeface="Consolas" panose="020B0609020204030204" pitchFamily="49" charset="0"/>
-              </a:rPr>
-              <a:t>…</a:t>
-            </a:r>
             <a:endParaRPr lang="en-US" sz="1800" dirty="0">
               <a:solidFill>
                 <a:srgbClr val="0000FF"/>
@@ -8611,7 +8590,7 @@
     </p:spTree>
     <p:extLst>
       <p:ext uri="{BB962C8B-B14F-4D97-AF65-F5344CB8AC3E}">
-        <p14:creationId xmlns:p14="http://schemas.microsoft.com/office/powerpoint/2010/main" val="1302396290"/>
+        <p14:creationId xmlns:p14="http://schemas.microsoft.com/office/powerpoint/2010/main" val="2721203289"/>
       </p:ext>
     </p:extLst>
   </p:cSld>
@@ -8708,14 +8687,14 @@
               <a:buNone/>
             </a:pPr>
             <a:r>
-              <a:rPr lang="en-US" sz="3200" dirty="0">
+              <a:rPr lang="en-US" sz="2400" b="1" dirty="0">
                 <a:solidFill>
                   <a:schemeClr val="tx1"/>
                 </a:solidFill>
                 <a:latin typeface="Consolas" panose="020B0609020204030204" pitchFamily="49" charset="0"/>
                 <a:cs typeface="Consolas" panose="020B0609020204030204" pitchFamily="49" charset="0"/>
               </a:rPr>
-              <a:t>Sort &amp; Shuffle output: 6 unique keys</a:t>
+              <a:t>Consider the following input:</a:t>
             </a:r>
           </a:p>
           <a:p>
@@ -8741,14 +8720,14 @@
               <a:buNone/>
             </a:pPr>
             <a:r>
-              <a:rPr lang="en-US" sz="2400" dirty="0">
-                <a:solidFill>
-                  <a:schemeClr val="tx1"/>
-                </a:solidFill>
-                <a:latin typeface="Courier" pitchFamily="2" charset="0"/>
-                <a:cs typeface="Consolas" panose="020B0609020204030204" pitchFamily="49" charset="0"/>
-              </a:rPr>
-              <a:t>General output: (key, [value_1, value_2, …])</a:t>
+              <a:rPr lang="en-US" sz="2000" dirty="0">
+                <a:solidFill>
+                  <a:srgbClr val="0000FF"/>
+                </a:solidFill>
+                <a:latin typeface="Consolas" panose="020B0609020204030204" pitchFamily="49" charset="0"/>
+                <a:cs typeface="Consolas" panose="020B0609020204030204" pitchFamily="49" charset="0"/>
+              </a:rPr>
+              <a:t>USA,Cupertino,58</a:t>
             </a:r>
           </a:p>
           <a:p>
@@ -8758,13 +8737,16 @@
               </a:spcBef>
               <a:buNone/>
             </a:pPr>
-            <a:endParaRPr lang="en-US" sz="1800" dirty="0">
-              <a:solidFill>
-                <a:srgbClr val="0000FF"/>
-              </a:solidFill>
-              <a:latin typeface="Consolas" panose="020B0609020204030204" pitchFamily="49" charset="0"/>
-              <a:cs typeface="Consolas" panose="020B0609020204030204" pitchFamily="49" charset="0"/>
-            </a:endParaRPr>
+            <a:r>
+              <a:rPr lang="en-US" sz="2000" dirty="0">
+                <a:solidFill>
+                  <a:srgbClr val="0000FF"/>
+                </a:solidFill>
+                <a:latin typeface="Consolas" panose="020B0609020204030204" pitchFamily="49" charset="0"/>
+                <a:cs typeface="Consolas" panose="020B0609020204030204" pitchFamily="49" charset="0"/>
+              </a:rPr>
+              <a:t>USA,Cupertino,67</a:t>
+            </a:r>
           </a:p>
           <a:p>
             <a:pPr marL="0" indent="0">
@@ -8774,34 +8756,14 @@
               <a:buNone/>
             </a:pPr>
             <a:r>
-              <a:rPr lang="en-US" sz="2400" dirty="0">
-                <a:solidFill>
-                  <a:srgbClr val="0000FF"/>
-                </a:solidFill>
-                <a:latin typeface="Consolas" panose="020B0609020204030204" pitchFamily="49" charset="0"/>
-                <a:cs typeface="Consolas" panose="020B0609020204030204" pitchFamily="49" charset="0"/>
-              </a:rPr>
-              <a:t>(“</a:t>
-            </a:r>
-            <a:r>
-              <a:rPr lang="en-US" sz="2400" dirty="0" err="1">
-                <a:solidFill>
-                  <a:srgbClr val="0000FF"/>
-                </a:solidFill>
-                <a:latin typeface="Consolas" panose="020B0609020204030204" pitchFamily="49" charset="0"/>
-                <a:cs typeface="Consolas" panose="020B0609020204030204" pitchFamily="49" charset="0"/>
-              </a:rPr>
-              <a:t>USA,Cupertino</a:t>
-            </a:r>
-            <a:r>
-              <a:rPr lang="en-US" sz="2400" dirty="0">
-                <a:solidFill>
-                  <a:srgbClr val="0000FF"/>
-                </a:solidFill>
-                <a:latin typeface="Consolas" panose="020B0609020204030204" pitchFamily="49" charset="0"/>
-                <a:cs typeface="Consolas" panose="020B0609020204030204" pitchFamily="49" charset="0"/>
-              </a:rPr>
-              <a:t>”, [58, 67, 78]), </a:t>
+              <a:rPr lang="en-US" sz="2000" dirty="0">
+                <a:solidFill>
+                  <a:srgbClr val="0000FF"/>
+                </a:solidFill>
+                <a:latin typeface="Consolas" panose="020B0609020204030204" pitchFamily="49" charset="0"/>
+                <a:cs typeface="Consolas" panose="020B0609020204030204" pitchFamily="49" charset="0"/>
+              </a:rPr>
+              <a:t>USA,Sunnyvale,88</a:t>
             </a:r>
           </a:p>
           <a:p>
@@ -8812,34 +8774,14 @@
               <a:buNone/>
             </a:pPr>
             <a:r>
-              <a:rPr lang="en-US" sz="2400" dirty="0">
-                <a:solidFill>
-                  <a:srgbClr val="0000FF"/>
-                </a:solidFill>
-                <a:latin typeface="Consolas" panose="020B0609020204030204" pitchFamily="49" charset="0"/>
-                <a:cs typeface="Consolas" panose="020B0609020204030204" pitchFamily="49" charset="0"/>
-              </a:rPr>
-              <a:t>(“</a:t>
-            </a:r>
-            <a:r>
-              <a:rPr lang="en-US" sz="2400" dirty="0" err="1">
-                <a:solidFill>
-                  <a:srgbClr val="0000FF"/>
-                </a:solidFill>
-                <a:latin typeface="Consolas" panose="020B0609020204030204" pitchFamily="49" charset="0"/>
-                <a:cs typeface="Consolas" panose="020B0609020204030204" pitchFamily="49" charset="0"/>
-              </a:rPr>
-              <a:t>USA,Sunnyvale</a:t>
-            </a:r>
-            <a:r>
-              <a:rPr lang="en-US" sz="2400" dirty="0">
-                <a:solidFill>
-                  <a:srgbClr val="0000FF"/>
-                </a:solidFill>
-                <a:latin typeface="Consolas" panose="020B0609020204030204" pitchFamily="49" charset="0"/>
-                <a:cs typeface="Consolas" panose="020B0609020204030204" pitchFamily="49" charset="0"/>
-              </a:rPr>
-              <a:t>”, [88, 77]),</a:t>
+              <a:rPr lang="en-US" sz="2000" dirty="0">
+                <a:solidFill>
+                  <a:srgbClr val="0000FF"/>
+                </a:solidFill>
+                <a:latin typeface="Consolas" panose="020B0609020204030204" pitchFamily="49" charset="0"/>
+                <a:cs typeface="Consolas" panose="020B0609020204030204" pitchFamily="49" charset="0"/>
+              </a:rPr>
+              <a:t>USA,Sunnyvale,77</a:t>
             </a:r>
           </a:p>
           <a:p>
@@ -8850,14 +8792,14 @@
               <a:buNone/>
             </a:pPr>
             <a:r>
-              <a:rPr lang="en-US" sz="2400" dirty="0">
-                <a:solidFill>
-                  <a:srgbClr val="0000FF"/>
-                </a:solidFill>
-                <a:latin typeface="Consolas" panose="020B0609020204030204" pitchFamily="49" charset="0"/>
-                <a:cs typeface="Consolas" panose="020B0609020204030204" pitchFamily="49" charset="0"/>
-              </a:rPr>
-              <a:t>(”USA”, [58, 67, 78, 88, 77]),</a:t>
+              <a:rPr lang="en-US" sz="2000" dirty="0">
+                <a:solidFill>
+                  <a:srgbClr val="0000FF"/>
+                </a:solidFill>
+                <a:latin typeface="Consolas" panose="020B0609020204030204" pitchFamily="49" charset="0"/>
+                <a:cs typeface="Consolas" panose="020B0609020204030204" pitchFamily="49" charset="0"/>
+              </a:rPr>
+              <a:t>USA,Cupertino,78</a:t>
             </a:r>
           </a:p>
           <a:p>
@@ -8868,34 +8810,14 @@
               <a:buNone/>
             </a:pPr>
             <a:r>
-              <a:rPr lang="en-US" sz="2400" dirty="0">
-                <a:solidFill>
-                  <a:srgbClr val="0000FF"/>
-                </a:solidFill>
-                <a:latin typeface="Consolas" panose="020B0609020204030204" pitchFamily="49" charset="0"/>
-                <a:cs typeface="Consolas" panose="020B0609020204030204" pitchFamily="49" charset="0"/>
-              </a:rPr>
-              <a:t>(“</a:t>
-            </a:r>
-            <a:r>
-              <a:rPr lang="en-US" sz="2400" dirty="0" err="1">
-                <a:solidFill>
-                  <a:srgbClr val="0000FF"/>
-                </a:solidFill>
-                <a:latin typeface="Consolas" panose="020B0609020204030204" pitchFamily="49" charset="0"/>
-                <a:cs typeface="Consolas" panose="020B0609020204030204" pitchFamily="49" charset="0"/>
-              </a:rPr>
-              <a:t>INDIA,Mumbai</a:t>
-            </a:r>
-            <a:r>
-              <a:rPr lang="en-US" sz="2400" dirty="0">
-                <a:solidFill>
-                  <a:srgbClr val="0000FF"/>
-                </a:solidFill>
-                <a:latin typeface="Consolas" panose="020B0609020204030204" pitchFamily="49" charset="0"/>
-                <a:cs typeface="Consolas" panose="020B0609020204030204" pitchFamily="49" charset="0"/>
-              </a:rPr>
-              <a:t>”, [90, 96]), </a:t>
+              <a:rPr lang="en-US" sz="2000" dirty="0">
+                <a:solidFill>
+                  <a:srgbClr val="0000FF"/>
+                </a:solidFill>
+                <a:latin typeface="Consolas" panose="020B0609020204030204" pitchFamily="49" charset="0"/>
+                <a:cs typeface="Consolas" panose="020B0609020204030204" pitchFamily="49" charset="0"/>
+              </a:rPr>
+              <a:t>INDIA,Mumbai,90</a:t>
             </a:r>
           </a:p>
           <a:p>
@@ -8906,34 +8828,14 @@
               <a:buNone/>
             </a:pPr>
             <a:r>
-              <a:rPr lang="en-US" sz="2400" dirty="0">
-                <a:solidFill>
-                  <a:srgbClr val="0000FF"/>
-                </a:solidFill>
-                <a:latin typeface="Consolas" panose="020B0609020204030204" pitchFamily="49" charset="0"/>
-                <a:cs typeface="Consolas" panose="020B0609020204030204" pitchFamily="49" charset="0"/>
-              </a:rPr>
-              <a:t>(“</a:t>
-            </a:r>
-            <a:r>
-              <a:rPr lang="en-US" sz="2400" dirty="0" err="1">
-                <a:solidFill>
-                  <a:srgbClr val="0000FF"/>
-                </a:solidFill>
-                <a:latin typeface="Consolas" panose="020B0609020204030204" pitchFamily="49" charset="0"/>
-                <a:cs typeface="Consolas" panose="020B0609020204030204" pitchFamily="49" charset="0"/>
-              </a:rPr>
-              <a:t>INDIA,Agra</a:t>
-            </a:r>
-            <a:r>
-              <a:rPr lang="en-US" sz="2400" dirty="0">
-                <a:solidFill>
-                  <a:srgbClr val="0000FF"/>
-                </a:solidFill>
-                <a:latin typeface="Consolas" panose="020B0609020204030204" pitchFamily="49" charset="0"/>
-                <a:cs typeface="Consolas" panose="020B0609020204030204" pitchFamily="49" charset="0"/>
-              </a:rPr>
-              <a:t>”, [98, 92]), </a:t>
+              <a:rPr lang="en-US" sz="2000" dirty="0">
+                <a:solidFill>
+                  <a:srgbClr val="0000FF"/>
+                </a:solidFill>
+                <a:latin typeface="Consolas" panose="020B0609020204030204" pitchFamily="49" charset="0"/>
+                <a:cs typeface="Consolas" panose="020B0609020204030204" pitchFamily="49" charset="0"/>
+              </a:rPr>
+              <a:t>INDIA,Mumbai,96</a:t>
             </a:r>
           </a:p>
           <a:p>
@@ -8944,14 +8846,14 @@
               <a:buNone/>
             </a:pPr>
             <a:r>
-              <a:rPr lang="en-US" sz="2400" dirty="0">
-                <a:solidFill>
-                  <a:srgbClr val="0000FF"/>
-                </a:solidFill>
-                <a:latin typeface="Consolas" panose="020B0609020204030204" pitchFamily="49" charset="0"/>
-                <a:cs typeface="Consolas" panose="020B0609020204030204" pitchFamily="49" charset="0"/>
-              </a:rPr>
-              <a:t>(“INDIA”, [90, 96, 98, 92])</a:t>
+              <a:rPr lang="en-US" sz="2000" dirty="0">
+                <a:solidFill>
+                  <a:srgbClr val="0000FF"/>
+                </a:solidFill>
+                <a:latin typeface="Consolas" panose="020B0609020204030204" pitchFamily="49" charset="0"/>
+                <a:cs typeface="Consolas" panose="020B0609020204030204" pitchFamily="49" charset="0"/>
+              </a:rPr>
+              <a:t>INDIA,Agra,98</a:t>
             </a:r>
           </a:p>
           <a:p>
@@ -8962,7 +8864,25 @@
               <a:buNone/>
             </a:pPr>
             <a:r>
-              <a:rPr lang="en-US" sz="2400" dirty="0">
+              <a:rPr lang="en-US" sz="2000" dirty="0">
+                <a:solidFill>
+                  <a:srgbClr val="0000FF"/>
+                </a:solidFill>
+                <a:latin typeface="Consolas" panose="020B0609020204030204" pitchFamily="49" charset="0"/>
+                <a:cs typeface="Consolas" panose="020B0609020204030204" pitchFamily="49" charset="0"/>
+              </a:rPr>
+              <a:t>INDIA,Agra,92</a:t>
+            </a:r>
+          </a:p>
+          <a:p>
+            <a:pPr marL="0" indent="0">
+              <a:spcBef>
+                <a:spcPts val="600"/>
+              </a:spcBef>
+              <a:buNone/>
+            </a:pPr>
+            <a:r>
+              <a:rPr lang="en-US" sz="1800" dirty="0">
                 <a:solidFill>
                   <a:srgbClr val="0000FF"/>
                 </a:solidFill>
@@ -8971,20 +8891,13 @@
               </a:rPr>
               <a:t>…</a:t>
             </a:r>
-            <a:endParaRPr lang="en-US" sz="1800" dirty="0">
-              <a:solidFill>
-                <a:srgbClr val="0000FF"/>
-              </a:solidFill>
-              <a:latin typeface="Consolas" panose="020B0609020204030204" pitchFamily="49" charset="0"/>
-              <a:cs typeface="Consolas" panose="020B0609020204030204" pitchFamily="49" charset="0"/>
-            </a:endParaRPr>
           </a:p>
         </p:txBody>
       </p:sp>
     </p:spTree>
     <p:extLst>
       <p:ext uri="{BB962C8B-B14F-4D97-AF65-F5344CB8AC3E}">
-        <p14:creationId xmlns:p14="http://schemas.microsoft.com/office/powerpoint/2010/main" val="1561957220"/>
+        <p14:creationId xmlns:p14="http://schemas.microsoft.com/office/powerpoint/2010/main" val="1183800940"/>
       </p:ext>
     </p:extLst>
   </p:cSld>
@@ -9088,7 +9001,7 @@
                 <a:latin typeface="Consolas" panose="020B0609020204030204" pitchFamily="49" charset="0"/>
                 <a:cs typeface="Consolas" panose="020B0609020204030204" pitchFamily="49" charset="0"/>
               </a:rPr>
-              <a:t>Sort &amp; Shuffle output: as input to reducers</a:t>
+              <a:t>Mappers output:</a:t>
             </a:r>
           </a:p>
           <a:p>
@@ -9114,14 +9027,32 @@
               <a:buNone/>
             </a:pPr>
             <a:r>
-              <a:rPr lang="en-US" sz="2400" b="1" u="sng" dirty="0">
+              <a:rPr lang="en-US" sz="2400" dirty="0">
+                <a:solidFill>
+                  <a:srgbClr val="0000FF"/>
+                </a:solidFill>
+                <a:latin typeface="Consolas" panose="020B0609020204030204" pitchFamily="49" charset="0"/>
+                <a:cs typeface="Consolas" panose="020B0609020204030204" pitchFamily="49" charset="0"/>
+              </a:rPr>
+              <a:t>This record:</a:t>
+            </a:r>
+          </a:p>
+          <a:p>
+            <a:pPr marL="0" indent="0">
+              <a:spcBef>
+                <a:spcPts val="600"/>
+              </a:spcBef>
+              <a:buNone/>
+            </a:pPr>
+            <a:r>
+              <a:rPr lang="en-US" sz="2400" dirty="0">
                 <a:solidFill>
                   <a:schemeClr val="tx1"/>
                 </a:solidFill>
                 <a:latin typeface="Consolas" panose="020B0609020204030204" pitchFamily="49" charset="0"/>
                 <a:cs typeface="Consolas" panose="020B0609020204030204" pitchFamily="49" charset="0"/>
               </a:rPr>
-              <a:t>Output of reducers (not ordered):</a:t>
+              <a:t>“USA,Cupertino,58”</a:t>
             </a:r>
           </a:p>
           <a:p>
@@ -9131,6 +9062,21 @@
               </a:spcBef>
               <a:buNone/>
             </a:pPr>
+            <a:endParaRPr lang="en-US" sz="2400" dirty="0">
+              <a:solidFill>
+                <a:srgbClr val="0000FF"/>
+              </a:solidFill>
+              <a:latin typeface="Consolas" panose="020B0609020204030204" pitchFamily="49" charset="0"/>
+              <a:cs typeface="Consolas" panose="020B0609020204030204" pitchFamily="49" charset="0"/>
+            </a:endParaRPr>
+          </a:p>
+          <a:p>
+            <a:pPr marL="0" indent="0">
+              <a:spcBef>
+                <a:spcPts val="600"/>
+              </a:spcBef>
+              <a:buNone/>
+            </a:pPr>
             <a:r>
               <a:rPr lang="en-US" sz="2400" dirty="0">
                 <a:solidFill>
@@ -9139,27 +9085,7 @@
                 <a:latin typeface="Consolas" panose="020B0609020204030204" pitchFamily="49" charset="0"/>
                 <a:cs typeface="Consolas" panose="020B0609020204030204" pitchFamily="49" charset="0"/>
               </a:rPr>
-              <a:t>(“</a:t>
-            </a:r>
-            <a:r>
-              <a:rPr lang="en-US" sz="2400" dirty="0" err="1">
-                <a:solidFill>
-                  <a:srgbClr val="0000FF"/>
-                </a:solidFill>
-                <a:latin typeface="Consolas" panose="020B0609020204030204" pitchFamily="49" charset="0"/>
-                <a:cs typeface="Consolas" panose="020B0609020204030204" pitchFamily="49" charset="0"/>
-              </a:rPr>
-              <a:t>USA,Cupertino</a:t>
-            </a:r>
-            <a:r>
-              <a:rPr lang="en-US" sz="2400" dirty="0">
-                <a:solidFill>
-                  <a:srgbClr val="0000FF"/>
-                </a:solidFill>
-                <a:latin typeface="Consolas" panose="020B0609020204030204" pitchFamily="49" charset="0"/>
-                <a:cs typeface="Consolas" panose="020B0609020204030204" pitchFamily="49" charset="0"/>
-              </a:rPr>
-              <a:t>”, 67.67), </a:t>
+              <a:t>Will create:</a:t>
             </a:r>
           </a:p>
           <a:p>
@@ -9170,34 +9096,14 @@
               <a:buNone/>
             </a:pPr>
             <a:r>
-              <a:rPr lang="en-US" sz="2400" dirty="0">
-                <a:solidFill>
-                  <a:srgbClr val="0000FF"/>
-                </a:solidFill>
-                <a:latin typeface="Consolas" panose="020B0609020204030204" pitchFamily="49" charset="0"/>
-                <a:cs typeface="Consolas" panose="020B0609020204030204" pitchFamily="49" charset="0"/>
-              </a:rPr>
-              <a:t>(“</a:t>
-            </a:r>
-            <a:r>
-              <a:rPr lang="en-US" sz="2400" dirty="0" err="1">
-                <a:solidFill>
-                  <a:srgbClr val="0000FF"/>
-                </a:solidFill>
-                <a:latin typeface="Consolas" panose="020B0609020204030204" pitchFamily="49" charset="0"/>
-                <a:cs typeface="Consolas" panose="020B0609020204030204" pitchFamily="49" charset="0"/>
-              </a:rPr>
-              <a:t>USA,Sunnyvale</a:t>
-            </a:r>
-            <a:r>
-              <a:rPr lang="en-US" sz="2400" dirty="0">
-                <a:solidFill>
-                  <a:srgbClr val="0000FF"/>
-                </a:solidFill>
-                <a:latin typeface="Consolas" panose="020B0609020204030204" pitchFamily="49" charset="0"/>
-                <a:cs typeface="Consolas" panose="020B0609020204030204" pitchFamily="49" charset="0"/>
-              </a:rPr>
-              <a:t>”, 82.5),</a:t>
+              <a:rPr lang="en-US" sz="2800" dirty="0">
+                <a:solidFill>
+                  <a:schemeClr val="tx1"/>
+                </a:solidFill>
+                <a:latin typeface="Consolas" panose="020B0609020204030204" pitchFamily="49" charset="0"/>
+                <a:cs typeface="Consolas" panose="020B0609020204030204" pitchFamily="49" charset="0"/>
+              </a:rPr>
+              <a:t>(“USA,Cupertino”, 58), </a:t>
             </a:r>
           </a:p>
           <a:p>
@@ -9208,14 +9114,14 @@
               <a:buNone/>
             </a:pPr>
             <a:r>
-              <a:rPr lang="en-US" sz="2400" dirty="0">
-                <a:solidFill>
-                  <a:srgbClr val="0000FF"/>
-                </a:solidFill>
-                <a:latin typeface="Consolas" panose="020B0609020204030204" pitchFamily="49" charset="0"/>
-                <a:cs typeface="Consolas" panose="020B0609020204030204" pitchFamily="49" charset="0"/>
-              </a:rPr>
-              <a:t>(”USA”, 73.6),</a:t>
+              <a:rPr lang="en-US" sz="2800" dirty="0">
+                <a:solidFill>
+                  <a:schemeClr val="tx1"/>
+                </a:solidFill>
+                <a:latin typeface="Consolas" panose="020B0609020204030204" pitchFamily="49" charset="0"/>
+                <a:cs typeface="Consolas" panose="020B0609020204030204" pitchFamily="49" charset="0"/>
+              </a:rPr>
+              <a:t>(”USA”, 58)</a:t>
             </a:r>
           </a:p>
           <a:p>
@@ -9225,110 +9131,6 @@
               </a:spcBef>
               <a:buNone/>
             </a:pPr>
-            <a:r>
-              <a:rPr lang="en-US" sz="2400" dirty="0">
-                <a:solidFill>
-                  <a:srgbClr val="0000FF"/>
-                </a:solidFill>
-                <a:latin typeface="Consolas" panose="020B0609020204030204" pitchFamily="49" charset="0"/>
-                <a:cs typeface="Consolas" panose="020B0609020204030204" pitchFamily="49" charset="0"/>
-              </a:rPr>
-              <a:t>(“</a:t>
-            </a:r>
-            <a:r>
-              <a:rPr lang="en-US" sz="2400" dirty="0" err="1">
-                <a:solidFill>
-                  <a:srgbClr val="0000FF"/>
-                </a:solidFill>
-                <a:latin typeface="Consolas" panose="020B0609020204030204" pitchFamily="49" charset="0"/>
-                <a:cs typeface="Consolas" panose="020B0609020204030204" pitchFamily="49" charset="0"/>
-              </a:rPr>
-              <a:t>INDIA,Mumbai</a:t>
-            </a:r>
-            <a:r>
-              <a:rPr lang="en-US" sz="2400" dirty="0">
-                <a:solidFill>
-                  <a:srgbClr val="0000FF"/>
-                </a:solidFill>
-                <a:latin typeface="Consolas" panose="020B0609020204030204" pitchFamily="49" charset="0"/>
-                <a:cs typeface="Consolas" panose="020B0609020204030204" pitchFamily="49" charset="0"/>
-              </a:rPr>
-              <a:t>”, 93), </a:t>
-            </a:r>
-          </a:p>
-          <a:p>
-            <a:pPr marL="0" indent="0">
-              <a:spcBef>
-                <a:spcPts val="600"/>
-              </a:spcBef>
-              <a:buNone/>
-            </a:pPr>
-            <a:r>
-              <a:rPr lang="en-US" sz="2400" dirty="0">
-                <a:solidFill>
-                  <a:srgbClr val="0000FF"/>
-                </a:solidFill>
-                <a:latin typeface="Consolas" panose="020B0609020204030204" pitchFamily="49" charset="0"/>
-                <a:cs typeface="Consolas" panose="020B0609020204030204" pitchFamily="49" charset="0"/>
-              </a:rPr>
-              <a:t>(“</a:t>
-            </a:r>
-            <a:r>
-              <a:rPr lang="en-US" sz="2400" dirty="0" err="1">
-                <a:solidFill>
-                  <a:srgbClr val="0000FF"/>
-                </a:solidFill>
-                <a:latin typeface="Consolas" panose="020B0609020204030204" pitchFamily="49" charset="0"/>
-                <a:cs typeface="Consolas" panose="020B0609020204030204" pitchFamily="49" charset="0"/>
-              </a:rPr>
-              <a:t>INDIA,Agra</a:t>
-            </a:r>
-            <a:r>
-              <a:rPr lang="en-US" sz="2400" dirty="0">
-                <a:solidFill>
-                  <a:srgbClr val="0000FF"/>
-                </a:solidFill>
-                <a:latin typeface="Consolas" panose="020B0609020204030204" pitchFamily="49" charset="0"/>
-                <a:cs typeface="Consolas" panose="020B0609020204030204" pitchFamily="49" charset="0"/>
-              </a:rPr>
-              <a:t>”, 95), </a:t>
-            </a:r>
-          </a:p>
-          <a:p>
-            <a:pPr marL="0" indent="0">
-              <a:spcBef>
-                <a:spcPts val="600"/>
-              </a:spcBef>
-              <a:buNone/>
-            </a:pPr>
-            <a:r>
-              <a:rPr lang="en-US" sz="2400" dirty="0">
-                <a:solidFill>
-                  <a:srgbClr val="0000FF"/>
-                </a:solidFill>
-                <a:latin typeface="Consolas" panose="020B0609020204030204" pitchFamily="49" charset="0"/>
-                <a:cs typeface="Consolas" panose="020B0609020204030204" pitchFamily="49" charset="0"/>
-              </a:rPr>
-              <a:t>(“INDIA”, 94)</a:t>
-            </a:r>
-          </a:p>
-          <a:p>
-            <a:pPr marL="0" indent="0">
-              <a:spcBef>
-                <a:spcPts val="600"/>
-              </a:spcBef>
-              <a:buNone/>
-            </a:pPr>
-            <a:r>
-              <a:rPr lang="en-US" sz="2400" dirty="0">
-                <a:solidFill>
-                  <a:srgbClr val="0000FF"/>
-                </a:solidFill>
-                <a:latin typeface="Consolas" panose="020B0609020204030204" pitchFamily="49" charset="0"/>
-                <a:cs typeface="Consolas" panose="020B0609020204030204" pitchFamily="49" charset="0"/>
-              </a:rPr>
-              <a:t>…</a:t>
-            </a:r>
             <a:endParaRPr lang="en-US" sz="1800" dirty="0">
               <a:solidFill>
                 <a:srgbClr val="0000FF"/>
@@ -9342,7 +9144,7 @@
     </p:spTree>
     <p:extLst>
       <p:ext uri="{BB962C8B-B14F-4D97-AF65-F5344CB8AC3E}">
-        <p14:creationId xmlns:p14="http://schemas.microsoft.com/office/powerpoint/2010/main" val="2972796941"/>
+        <p14:creationId xmlns:p14="http://schemas.microsoft.com/office/powerpoint/2010/main" val="1302396290"/>
       </p:ext>
     </p:extLst>
   </p:cSld>
@@ -9374,7 +9176,7 @@
           <p:cNvPr id="2" name="Title 1">
             <a:extLst>
               <a:ext uri="{FF2B5EF4-FFF2-40B4-BE49-F238E27FC236}">
-                <a16:creationId xmlns:a16="http://schemas.microsoft.com/office/drawing/2014/main" id="{D9412A32-9C70-A84C-BD70-6B6F25B705D0}"/>
+                <a16:creationId xmlns:a16="http://schemas.microsoft.com/office/drawing/2014/main" id="{F9F5A895-0231-5A4B-B2AC-CFB4AA99843B}"/>
               </a:ext>
             </a:extLst>
           </p:cNvPr>
@@ -9385,14 +9187,21 @@
             <p:ph type="title"/>
           </p:nvPr>
         </p:nvSpPr>
-        <p:spPr/>
-        <p:txBody>
-          <a:bodyPr/>
+        <p:spPr>
+          <a:xfrm>
+            <a:off x="838200" y="84083"/>
+            <a:ext cx="10515600" cy="683172"/>
+          </a:xfrm>
+        </p:spPr>
+        <p:txBody>
+          <a:bodyPr>
+            <a:normAutofit/>
+          </a:bodyPr>
           <a:lstStyle/>
           <a:p>
             <a:r>
               <a:rPr lang="en-US" dirty="0"/>
-              <a:t>References </a:t>
+              <a:t>MapReduce Working Example</a:t>
             </a:r>
           </a:p>
         </p:txBody>
@@ -9402,7 +9211,7 @@
           <p:cNvPr id="3" name="Content Placeholder 2">
             <a:extLst>
               <a:ext uri="{FF2B5EF4-FFF2-40B4-BE49-F238E27FC236}">
-                <a16:creationId xmlns:a16="http://schemas.microsoft.com/office/drawing/2014/main" id="{F729D696-28C9-7748-ADC9-DFD039AC4408}"/>
+                <a16:creationId xmlns:a16="http://schemas.microsoft.com/office/drawing/2014/main" id="{3BD1778A-B232-474D-BA9E-B44F86DC7DBB}"/>
               </a:ext>
             </a:extLst>
           </p:cNvPr>
@@ -9413,100 +9222,1256 @@
             <p:ph idx="1"/>
           </p:nvPr>
         </p:nvSpPr>
-        <p:spPr/>
+        <p:spPr>
+          <a:xfrm>
+            <a:off x="838200" y="861848"/>
+            <a:ext cx="10515600" cy="5315116"/>
+          </a:xfrm>
+        </p:spPr>
         <p:txBody>
           <a:bodyPr>
-            <a:normAutofit fontScale="92500" lnSpcReduction="20000"/>
+            <a:normAutofit fontScale="70000" lnSpcReduction="20000"/>
           </a:bodyPr>
           <a:lstStyle/>
           <a:p>
             <a:pPr marL="0" indent="0">
-              <a:buNone/>
-            </a:pPr>
-            <a:r>
-              <a:rPr lang="en-US" sz="3200" dirty="0"/>
-              <a:t>1. </a:t>
-            </a:r>
-            <a:r>
-              <a:rPr lang="en-US" sz="3200" dirty="0" err="1"/>
-              <a:t>Monoidify</a:t>
-            </a:r>
-            <a:r>
-              <a:rPr lang="en-US" sz="3200" dirty="0"/>
-              <a:t>! Monoids as a Design Principle for Efficient MapReduce Algorithms (paper)  </a:t>
+              <a:spcBef>
+                <a:spcPts val="600"/>
+              </a:spcBef>
+              <a:buNone/>
+            </a:pPr>
+            <a:r>
+              <a:rPr lang="en-US" sz="3200" dirty="0">
+                <a:solidFill>
+                  <a:schemeClr val="tx1"/>
+                </a:solidFill>
+                <a:latin typeface="Consolas" panose="020B0609020204030204" pitchFamily="49" charset="0"/>
+                <a:cs typeface="Consolas" panose="020B0609020204030204" pitchFamily="49" charset="0"/>
+              </a:rPr>
+              <a:t>Mappers output:</a:t>
             </a:r>
           </a:p>
           <a:p>
             <a:pPr marL="0" indent="0">
-              <a:buNone/>
-            </a:pPr>
-            <a:r>
-              <a:rPr lang="en-US" sz="3200" dirty="0"/>
-              <a:t>by Jimmy Lin</a:t>
-            </a:r>
+              <a:spcBef>
+                <a:spcPts val="600"/>
+              </a:spcBef>
+              <a:buNone/>
+            </a:pPr>
+            <a:endParaRPr lang="en-US" sz="1800" dirty="0">
+              <a:solidFill>
+                <a:srgbClr val="0000FF"/>
+              </a:solidFill>
+              <a:latin typeface="Consolas" panose="020B0609020204030204" pitchFamily="49" charset="0"/>
+              <a:cs typeface="Consolas" panose="020B0609020204030204" pitchFamily="49" charset="0"/>
+            </a:endParaRPr>
           </a:p>
           <a:p>
             <a:pPr marL="0" indent="0">
-              <a:buNone/>
-            </a:pPr>
-            <a:endParaRPr lang="en-US" sz="3200" dirty="0"/>
+              <a:spcBef>
+                <a:spcPts val="600"/>
+              </a:spcBef>
+              <a:buNone/>
+            </a:pPr>
+            <a:r>
+              <a:rPr lang="en-US" sz="2000" dirty="0">
+                <a:solidFill>
+                  <a:srgbClr val="0000FF"/>
+                </a:solidFill>
+                <a:latin typeface="Consolas" panose="020B0609020204030204" pitchFamily="49" charset="0"/>
+                <a:cs typeface="Consolas" panose="020B0609020204030204" pitchFamily="49" charset="0"/>
+              </a:rPr>
+              <a:t>(“USA,Cupertino”, 58), </a:t>
+            </a:r>
           </a:p>
           <a:p>
             <a:pPr marL="0" indent="0">
-              <a:buNone/>
-            </a:pPr>
-            <a:r>
-              <a:rPr lang="en-US" sz="3200" dirty="0"/>
-              <a:t>2. Data Algorithms  (book) , Publisher: O’Reilly </a:t>
+              <a:spcBef>
+                <a:spcPts val="600"/>
+              </a:spcBef>
+              <a:buNone/>
+            </a:pPr>
+            <a:r>
+              <a:rPr lang="en-US" sz="2000" dirty="0">
+                <a:solidFill>
+                  <a:srgbClr val="0000FF"/>
+                </a:solidFill>
+                <a:latin typeface="Consolas" panose="020B0609020204030204" pitchFamily="49" charset="0"/>
+                <a:cs typeface="Consolas" panose="020B0609020204030204" pitchFamily="49" charset="0"/>
+              </a:rPr>
+              <a:t>(”USA”, 58)</a:t>
             </a:r>
           </a:p>
           <a:p>
             <a:pPr marL="0" indent="0">
-              <a:buNone/>
-            </a:pPr>
-            <a:r>
-              <a:rPr lang="en-US" sz="3200" dirty="0"/>
-              <a:t>by Mahmoud Parsian</a:t>
+              <a:spcBef>
+                <a:spcPts val="600"/>
+              </a:spcBef>
+              <a:buNone/>
+            </a:pPr>
+            <a:r>
+              <a:rPr lang="en-US" sz="2000" dirty="0">
+                <a:solidFill>
+                  <a:srgbClr val="0000FF"/>
+                </a:solidFill>
+                <a:latin typeface="Consolas" panose="020B0609020204030204" pitchFamily="49" charset="0"/>
+                <a:cs typeface="Consolas" panose="020B0609020204030204" pitchFamily="49" charset="0"/>
+              </a:rPr>
+              <a:t>(“USA,Cupertino”, 67), </a:t>
             </a:r>
           </a:p>
           <a:p>
             <a:pPr marL="0" indent="0">
-              <a:buNone/>
-            </a:pPr>
-            <a:endParaRPr lang="en-US" sz="3200" dirty="0"/>
+              <a:spcBef>
+                <a:spcPts val="600"/>
+              </a:spcBef>
+              <a:buNone/>
+            </a:pPr>
+            <a:r>
+              <a:rPr lang="en-US" sz="2000" dirty="0">
+                <a:solidFill>
+                  <a:srgbClr val="0000FF"/>
+                </a:solidFill>
+                <a:latin typeface="Consolas" panose="020B0609020204030204" pitchFamily="49" charset="0"/>
+                <a:cs typeface="Consolas" panose="020B0609020204030204" pitchFamily="49" charset="0"/>
+              </a:rPr>
+              <a:t>(“USA”, 67)</a:t>
+            </a:r>
           </a:p>
           <a:p>
             <a:pPr marL="0" indent="0">
-              <a:buNone/>
-            </a:pPr>
-            <a:r>
-              <a:rPr lang="en-US" sz="3200" dirty="0"/>
-              <a:t>3. Data Algorithms with Spark (book</a:t>
-            </a:r>
-            <a:r>
-              <a:rPr lang="en-US" sz="3200"/>
-              <a:t>) , Publisher</a:t>
-            </a:r>
-            <a:r>
-              <a:rPr lang="en-US" sz="3200" dirty="0"/>
-              <a:t>: O’Reilly </a:t>
+              <a:spcBef>
+                <a:spcPts val="600"/>
+              </a:spcBef>
+              <a:buNone/>
+            </a:pPr>
+            <a:r>
+              <a:rPr lang="en-US" sz="2000" dirty="0">
+                <a:solidFill>
+                  <a:srgbClr val="0000FF"/>
+                </a:solidFill>
+                <a:latin typeface="Consolas" panose="020B0609020204030204" pitchFamily="49" charset="0"/>
+                <a:cs typeface="Consolas" panose="020B0609020204030204" pitchFamily="49" charset="0"/>
+              </a:rPr>
+              <a:t>(“</a:t>
+            </a:r>
+            <a:r>
+              <a:rPr lang="en-US" sz="2000" dirty="0" err="1">
+                <a:solidFill>
+                  <a:srgbClr val="0000FF"/>
+                </a:solidFill>
+                <a:latin typeface="Consolas" panose="020B0609020204030204" pitchFamily="49" charset="0"/>
+                <a:cs typeface="Consolas" panose="020B0609020204030204" pitchFamily="49" charset="0"/>
+              </a:rPr>
+              <a:t>USA,Sunnyvale</a:t>
+            </a:r>
+            <a:r>
+              <a:rPr lang="en-US" sz="2000" dirty="0">
+                <a:solidFill>
+                  <a:srgbClr val="0000FF"/>
+                </a:solidFill>
+                <a:latin typeface="Consolas" panose="020B0609020204030204" pitchFamily="49" charset="0"/>
+                <a:cs typeface="Consolas" panose="020B0609020204030204" pitchFamily="49" charset="0"/>
+              </a:rPr>
+              <a:t>”, 88), </a:t>
             </a:r>
           </a:p>
           <a:p>
             <a:pPr marL="0" indent="0">
-              <a:buNone/>
-            </a:pPr>
-            <a:r>
-              <a:rPr lang="en-US" sz="3200" dirty="0"/>
-              <a:t>by Mahmoud Parsian</a:t>
-            </a:r>
+              <a:spcBef>
+                <a:spcPts val="600"/>
+              </a:spcBef>
+              <a:buNone/>
+            </a:pPr>
+            <a:r>
+              <a:rPr lang="en-US" sz="2000" dirty="0">
+                <a:solidFill>
+                  <a:srgbClr val="0000FF"/>
+                </a:solidFill>
+                <a:latin typeface="Consolas" panose="020B0609020204030204" pitchFamily="49" charset="0"/>
+                <a:cs typeface="Consolas" panose="020B0609020204030204" pitchFamily="49" charset="0"/>
+              </a:rPr>
+              <a:t>(“USA”, 88)</a:t>
+            </a:r>
+          </a:p>
+          <a:p>
+            <a:pPr marL="0" indent="0">
+              <a:spcBef>
+                <a:spcPts val="600"/>
+              </a:spcBef>
+              <a:buNone/>
+            </a:pPr>
+            <a:r>
+              <a:rPr lang="en-US" sz="2000" dirty="0">
+                <a:solidFill>
+                  <a:srgbClr val="0000FF"/>
+                </a:solidFill>
+                <a:latin typeface="Consolas" panose="020B0609020204030204" pitchFamily="49" charset="0"/>
+                <a:cs typeface="Consolas" panose="020B0609020204030204" pitchFamily="49" charset="0"/>
+              </a:rPr>
+              <a:t>(“</a:t>
+            </a:r>
+            <a:r>
+              <a:rPr lang="en-US" sz="2000" dirty="0" err="1">
+                <a:solidFill>
+                  <a:srgbClr val="0000FF"/>
+                </a:solidFill>
+                <a:latin typeface="Consolas" panose="020B0609020204030204" pitchFamily="49" charset="0"/>
+                <a:cs typeface="Consolas" panose="020B0609020204030204" pitchFamily="49" charset="0"/>
+              </a:rPr>
+              <a:t>USA,Sunnyvale</a:t>
+            </a:r>
+            <a:r>
+              <a:rPr lang="en-US" sz="2000" dirty="0">
+                <a:solidFill>
+                  <a:srgbClr val="0000FF"/>
+                </a:solidFill>
+                <a:latin typeface="Consolas" panose="020B0609020204030204" pitchFamily="49" charset="0"/>
+                <a:cs typeface="Consolas" panose="020B0609020204030204" pitchFamily="49" charset="0"/>
+              </a:rPr>
+              <a:t>”, 77), </a:t>
+            </a:r>
+          </a:p>
+          <a:p>
+            <a:pPr marL="0" indent="0">
+              <a:spcBef>
+                <a:spcPts val="600"/>
+              </a:spcBef>
+              <a:buNone/>
+            </a:pPr>
+            <a:r>
+              <a:rPr lang="en-US" sz="2000" dirty="0">
+                <a:solidFill>
+                  <a:srgbClr val="0000FF"/>
+                </a:solidFill>
+                <a:latin typeface="Consolas" panose="020B0609020204030204" pitchFamily="49" charset="0"/>
+                <a:cs typeface="Consolas" panose="020B0609020204030204" pitchFamily="49" charset="0"/>
+              </a:rPr>
+              <a:t>(“USA”, 77)</a:t>
+            </a:r>
+          </a:p>
+          <a:p>
+            <a:pPr marL="0" indent="0">
+              <a:spcBef>
+                <a:spcPts val="600"/>
+              </a:spcBef>
+              <a:buNone/>
+            </a:pPr>
+            <a:r>
+              <a:rPr lang="en-US" sz="2000" dirty="0">
+                <a:solidFill>
+                  <a:srgbClr val="0000FF"/>
+                </a:solidFill>
+                <a:latin typeface="Consolas" panose="020B0609020204030204" pitchFamily="49" charset="0"/>
+                <a:cs typeface="Consolas" panose="020B0609020204030204" pitchFamily="49" charset="0"/>
+              </a:rPr>
+              <a:t>(“USA,Cupertino”, 78), </a:t>
+            </a:r>
+          </a:p>
+          <a:p>
+            <a:pPr marL="0" indent="0">
+              <a:spcBef>
+                <a:spcPts val="600"/>
+              </a:spcBef>
+              <a:buNone/>
+            </a:pPr>
+            <a:r>
+              <a:rPr lang="en-US" sz="2000" dirty="0">
+                <a:solidFill>
+                  <a:srgbClr val="0000FF"/>
+                </a:solidFill>
+                <a:latin typeface="Consolas" panose="020B0609020204030204" pitchFamily="49" charset="0"/>
+                <a:cs typeface="Consolas" panose="020B0609020204030204" pitchFamily="49" charset="0"/>
+              </a:rPr>
+              <a:t>(“USA”, 78)</a:t>
+            </a:r>
+          </a:p>
+          <a:p>
+            <a:pPr marL="0" indent="0">
+              <a:spcBef>
+                <a:spcPts val="600"/>
+              </a:spcBef>
+              <a:buNone/>
+            </a:pPr>
+            <a:r>
+              <a:rPr lang="en-US" sz="2000" dirty="0">
+                <a:solidFill>
+                  <a:srgbClr val="0000FF"/>
+                </a:solidFill>
+                <a:latin typeface="Consolas" panose="020B0609020204030204" pitchFamily="49" charset="0"/>
+                <a:cs typeface="Consolas" panose="020B0609020204030204" pitchFamily="49" charset="0"/>
+              </a:rPr>
+              <a:t>(“</a:t>
+            </a:r>
+            <a:r>
+              <a:rPr lang="en-US" sz="2000" dirty="0" err="1">
+                <a:solidFill>
+                  <a:srgbClr val="0000FF"/>
+                </a:solidFill>
+                <a:latin typeface="Consolas" panose="020B0609020204030204" pitchFamily="49" charset="0"/>
+                <a:cs typeface="Consolas" panose="020B0609020204030204" pitchFamily="49" charset="0"/>
+              </a:rPr>
+              <a:t>INDIA,Mumbai</a:t>
+            </a:r>
+            <a:r>
+              <a:rPr lang="en-US" sz="2000" dirty="0">
+                <a:solidFill>
+                  <a:srgbClr val="0000FF"/>
+                </a:solidFill>
+                <a:latin typeface="Consolas" panose="020B0609020204030204" pitchFamily="49" charset="0"/>
+                <a:cs typeface="Consolas" panose="020B0609020204030204" pitchFamily="49" charset="0"/>
+              </a:rPr>
+              <a:t>”, 90), </a:t>
+            </a:r>
+          </a:p>
+          <a:p>
+            <a:pPr marL="0" indent="0">
+              <a:spcBef>
+                <a:spcPts val="600"/>
+              </a:spcBef>
+              <a:buNone/>
+            </a:pPr>
+            <a:r>
+              <a:rPr lang="en-US" sz="2000" dirty="0">
+                <a:solidFill>
+                  <a:srgbClr val="0000FF"/>
+                </a:solidFill>
+                <a:latin typeface="Consolas" panose="020B0609020204030204" pitchFamily="49" charset="0"/>
+                <a:cs typeface="Consolas" panose="020B0609020204030204" pitchFamily="49" charset="0"/>
+              </a:rPr>
+              <a:t>(“INDIA”, 90)</a:t>
+            </a:r>
+          </a:p>
+          <a:p>
+            <a:pPr marL="0" indent="0">
+              <a:spcBef>
+                <a:spcPts val="600"/>
+              </a:spcBef>
+              <a:buNone/>
+            </a:pPr>
+            <a:r>
+              <a:rPr lang="en-US" sz="2000" dirty="0">
+                <a:solidFill>
+                  <a:srgbClr val="0000FF"/>
+                </a:solidFill>
+                <a:latin typeface="Consolas" panose="020B0609020204030204" pitchFamily="49" charset="0"/>
+                <a:cs typeface="Consolas" panose="020B0609020204030204" pitchFamily="49" charset="0"/>
+              </a:rPr>
+              <a:t>(“</a:t>
+            </a:r>
+            <a:r>
+              <a:rPr lang="en-US" sz="2000" dirty="0" err="1">
+                <a:solidFill>
+                  <a:srgbClr val="0000FF"/>
+                </a:solidFill>
+                <a:latin typeface="Consolas" panose="020B0609020204030204" pitchFamily="49" charset="0"/>
+                <a:cs typeface="Consolas" panose="020B0609020204030204" pitchFamily="49" charset="0"/>
+              </a:rPr>
+              <a:t>INDIA,Mumbai</a:t>
+            </a:r>
+            <a:r>
+              <a:rPr lang="en-US" sz="2000" dirty="0">
+                <a:solidFill>
+                  <a:srgbClr val="0000FF"/>
+                </a:solidFill>
+                <a:latin typeface="Consolas" panose="020B0609020204030204" pitchFamily="49" charset="0"/>
+                <a:cs typeface="Consolas" panose="020B0609020204030204" pitchFamily="49" charset="0"/>
+              </a:rPr>
+              <a:t>”, 96), </a:t>
+            </a:r>
+          </a:p>
+          <a:p>
+            <a:pPr marL="0" indent="0">
+              <a:spcBef>
+                <a:spcPts val="600"/>
+              </a:spcBef>
+              <a:buNone/>
+            </a:pPr>
+            <a:r>
+              <a:rPr lang="en-US" sz="2000" dirty="0">
+                <a:solidFill>
+                  <a:srgbClr val="0000FF"/>
+                </a:solidFill>
+                <a:latin typeface="Consolas" panose="020B0609020204030204" pitchFamily="49" charset="0"/>
+                <a:cs typeface="Consolas" panose="020B0609020204030204" pitchFamily="49" charset="0"/>
+              </a:rPr>
+              <a:t>(“INDIA”, 96)</a:t>
+            </a:r>
+          </a:p>
+          <a:p>
+            <a:pPr marL="0" indent="0">
+              <a:spcBef>
+                <a:spcPts val="600"/>
+              </a:spcBef>
+              <a:buNone/>
+            </a:pPr>
+            <a:r>
+              <a:rPr lang="en-US" sz="2000" dirty="0">
+                <a:solidFill>
+                  <a:srgbClr val="0000FF"/>
+                </a:solidFill>
+                <a:latin typeface="Consolas" panose="020B0609020204030204" pitchFamily="49" charset="0"/>
+                <a:cs typeface="Consolas" panose="020B0609020204030204" pitchFamily="49" charset="0"/>
+              </a:rPr>
+              <a:t>(“</a:t>
+            </a:r>
+            <a:r>
+              <a:rPr lang="en-US" sz="2000" dirty="0" err="1">
+                <a:solidFill>
+                  <a:srgbClr val="0000FF"/>
+                </a:solidFill>
+                <a:latin typeface="Consolas" panose="020B0609020204030204" pitchFamily="49" charset="0"/>
+                <a:cs typeface="Consolas" panose="020B0609020204030204" pitchFamily="49" charset="0"/>
+              </a:rPr>
+              <a:t>INDIA,Agra</a:t>
+            </a:r>
+            <a:r>
+              <a:rPr lang="en-US" sz="2000" dirty="0">
+                <a:solidFill>
+                  <a:srgbClr val="0000FF"/>
+                </a:solidFill>
+                <a:latin typeface="Consolas" panose="020B0609020204030204" pitchFamily="49" charset="0"/>
+                <a:cs typeface="Consolas" panose="020B0609020204030204" pitchFamily="49" charset="0"/>
+              </a:rPr>
+              <a:t>”, 98), </a:t>
+            </a:r>
+          </a:p>
+          <a:p>
+            <a:pPr marL="0" indent="0">
+              <a:spcBef>
+                <a:spcPts val="600"/>
+              </a:spcBef>
+              <a:buNone/>
+            </a:pPr>
+            <a:r>
+              <a:rPr lang="en-US" sz="2000" dirty="0">
+                <a:solidFill>
+                  <a:srgbClr val="0000FF"/>
+                </a:solidFill>
+                <a:latin typeface="Consolas" panose="020B0609020204030204" pitchFamily="49" charset="0"/>
+                <a:cs typeface="Consolas" panose="020B0609020204030204" pitchFamily="49" charset="0"/>
+              </a:rPr>
+              <a:t>(“INDIA”, 98)</a:t>
+            </a:r>
+          </a:p>
+          <a:p>
+            <a:pPr marL="0" indent="0">
+              <a:spcBef>
+                <a:spcPts val="600"/>
+              </a:spcBef>
+              <a:buNone/>
+            </a:pPr>
+            <a:r>
+              <a:rPr lang="en-US" sz="2000" dirty="0">
+                <a:solidFill>
+                  <a:srgbClr val="0000FF"/>
+                </a:solidFill>
+                <a:latin typeface="Consolas" panose="020B0609020204030204" pitchFamily="49" charset="0"/>
+                <a:cs typeface="Consolas" panose="020B0609020204030204" pitchFamily="49" charset="0"/>
+              </a:rPr>
+              <a:t>(“</a:t>
+            </a:r>
+            <a:r>
+              <a:rPr lang="en-US" sz="2000" dirty="0" err="1">
+                <a:solidFill>
+                  <a:srgbClr val="0000FF"/>
+                </a:solidFill>
+                <a:latin typeface="Consolas" panose="020B0609020204030204" pitchFamily="49" charset="0"/>
+                <a:cs typeface="Consolas" panose="020B0609020204030204" pitchFamily="49" charset="0"/>
+              </a:rPr>
+              <a:t>INDIA,Agra</a:t>
+            </a:r>
+            <a:r>
+              <a:rPr lang="en-US" sz="2000" dirty="0">
+                <a:solidFill>
+                  <a:srgbClr val="0000FF"/>
+                </a:solidFill>
+                <a:latin typeface="Consolas" panose="020B0609020204030204" pitchFamily="49" charset="0"/>
+                <a:cs typeface="Consolas" panose="020B0609020204030204" pitchFamily="49" charset="0"/>
+              </a:rPr>
+              <a:t>”, 92), </a:t>
+            </a:r>
+          </a:p>
+          <a:p>
+            <a:pPr marL="0" indent="0">
+              <a:spcBef>
+                <a:spcPts val="600"/>
+              </a:spcBef>
+              <a:buNone/>
+            </a:pPr>
+            <a:r>
+              <a:rPr lang="en-US" sz="2000" dirty="0">
+                <a:solidFill>
+                  <a:srgbClr val="0000FF"/>
+                </a:solidFill>
+                <a:latin typeface="Consolas" panose="020B0609020204030204" pitchFamily="49" charset="0"/>
+                <a:cs typeface="Consolas" panose="020B0609020204030204" pitchFamily="49" charset="0"/>
+              </a:rPr>
+              <a:t>(“INDIA”, 92)</a:t>
+            </a:r>
+          </a:p>
+          <a:p>
+            <a:pPr marL="0" indent="0">
+              <a:spcBef>
+                <a:spcPts val="600"/>
+              </a:spcBef>
+              <a:buNone/>
+            </a:pPr>
+            <a:r>
+              <a:rPr lang="en-US" sz="2000" dirty="0">
+                <a:solidFill>
+                  <a:srgbClr val="0000FF"/>
+                </a:solidFill>
+                <a:latin typeface="Consolas" panose="020B0609020204030204" pitchFamily="49" charset="0"/>
+                <a:cs typeface="Consolas" panose="020B0609020204030204" pitchFamily="49" charset="0"/>
+              </a:rPr>
+              <a:t>…</a:t>
+            </a:r>
+            <a:endParaRPr lang="en-US" sz="1800" dirty="0">
+              <a:solidFill>
+                <a:srgbClr val="0000FF"/>
+              </a:solidFill>
+              <a:latin typeface="Consolas" panose="020B0609020204030204" pitchFamily="49" charset="0"/>
+              <a:cs typeface="Consolas" panose="020B0609020204030204" pitchFamily="49" charset="0"/>
+            </a:endParaRPr>
           </a:p>
         </p:txBody>
       </p:sp>
     </p:spTree>
     <p:extLst>
       <p:ext uri="{BB962C8B-B14F-4D97-AF65-F5344CB8AC3E}">
-        <p14:creationId xmlns:p14="http://schemas.microsoft.com/office/powerpoint/2010/main" val="109772210"/>
+        <p14:creationId xmlns:p14="http://schemas.microsoft.com/office/powerpoint/2010/main" val="4294853582"/>
+      </p:ext>
+    </p:extLst>
+  </p:cSld>
+  <p:clrMapOvr>
+    <a:masterClrMapping/>
+  </p:clrMapOvr>
+</p:sld>
+</file>
+
+<file path=ppt/slides/slide18.xml><?xml version="1.0" encoding="utf-8"?>
+<p:sld xmlns:a="http://schemas.openxmlformats.org/drawingml/2006/main" xmlns:r="http://schemas.openxmlformats.org/officeDocument/2006/relationships" xmlns:p="http://schemas.openxmlformats.org/presentationml/2006/main">
+  <p:cSld>
+    <p:spTree>
+      <p:nvGrpSpPr>
+        <p:cNvPr id="1" name=""/>
+        <p:cNvGrpSpPr/>
+        <p:nvPr/>
+      </p:nvGrpSpPr>
+      <p:grpSpPr>
+        <a:xfrm>
+          <a:off x="0" y="0"/>
+          <a:ext cx="0" cy="0"/>
+          <a:chOff x="0" y="0"/>
+          <a:chExt cx="0" cy="0"/>
+        </a:xfrm>
+      </p:grpSpPr>
+      <p:sp>
+        <p:nvSpPr>
+          <p:cNvPr id="2" name="Title 1">
+            <a:extLst>
+              <a:ext uri="{FF2B5EF4-FFF2-40B4-BE49-F238E27FC236}">
+                <a16:creationId xmlns:a16="http://schemas.microsoft.com/office/drawing/2014/main" id="{F9F5A895-0231-5A4B-B2AC-CFB4AA99843B}"/>
+              </a:ext>
+            </a:extLst>
+          </p:cNvPr>
+          <p:cNvSpPr>
+            <a:spLocks noGrp="1"/>
+          </p:cNvSpPr>
+          <p:nvPr>
+            <p:ph type="title"/>
+          </p:nvPr>
+        </p:nvSpPr>
+        <p:spPr>
+          <a:xfrm>
+            <a:off x="838200" y="84083"/>
+            <a:ext cx="10515600" cy="683172"/>
+          </a:xfrm>
+        </p:spPr>
+        <p:txBody>
+          <a:bodyPr>
+            <a:normAutofit/>
+          </a:bodyPr>
+          <a:lstStyle/>
+          <a:p>
+            <a:r>
+              <a:rPr lang="en-US" dirty="0"/>
+              <a:t>MapReduce Working Example</a:t>
+            </a:r>
+          </a:p>
+        </p:txBody>
+      </p:sp>
+      <p:sp>
+        <p:nvSpPr>
+          <p:cNvPr id="3" name="Content Placeholder 2">
+            <a:extLst>
+              <a:ext uri="{FF2B5EF4-FFF2-40B4-BE49-F238E27FC236}">
+                <a16:creationId xmlns:a16="http://schemas.microsoft.com/office/drawing/2014/main" id="{3BD1778A-B232-474D-BA9E-B44F86DC7DBB}"/>
+              </a:ext>
+            </a:extLst>
+          </p:cNvPr>
+          <p:cNvSpPr>
+            <a:spLocks noGrp="1"/>
+          </p:cNvSpPr>
+          <p:nvPr>
+            <p:ph idx="1"/>
+          </p:nvPr>
+        </p:nvSpPr>
+        <p:spPr>
+          <a:xfrm>
+            <a:off x="838200" y="861848"/>
+            <a:ext cx="10515600" cy="5315116"/>
+          </a:xfrm>
+        </p:spPr>
+        <p:txBody>
+          <a:bodyPr>
+            <a:normAutofit/>
+          </a:bodyPr>
+          <a:lstStyle/>
+          <a:p>
+            <a:pPr marL="0" indent="0">
+              <a:spcBef>
+                <a:spcPts val="600"/>
+              </a:spcBef>
+              <a:buNone/>
+            </a:pPr>
+            <a:r>
+              <a:rPr lang="en-US" sz="3200" dirty="0">
+                <a:solidFill>
+                  <a:schemeClr val="tx1"/>
+                </a:solidFill>
+                <a:latin typeface="Consolas" panose="020B0609020204030204" pitchFamily="49" charset="0"/>
+                <a:cs typeface="Consolas" panose="020B0609020204030204" pitchFamily="49" charset="0"/>
+              </a:rPr>
+              <a:t>Sort &amp; Shuffle output: 6 unique keys</a:t>
+            </a:r>
+          </a:p>
+          <a:p>
+            <a:pPr marL="0" indent="0">
+              <a:spcBef>
+                <a:spcPts val="600"/>
+              </a:spcBef>
+              <a:buNone/>
+            </a:pPr>
+            <a:endParaRPr lang="en-US" sz="1800" dirty="0">
+              <a:solidFill>
+                <a:srgbClr val="0000FF"/>
+              </a:solidFill>
+              <a:latin typeface="Consolas" panose="020B0609020204030204" pitchFamily="49" charset="0"/>
+              <a:cs typeface="Consolas" panose="020B0609020204030204" pitchFamily="49" charset="0"/>
+            </a:endParaRPr>
+          </a:p>
+          <a:p>
+            <a:pPr marL="0" indent="0">
+              <a:spcBef>
+                <a:spcPts val="600"/>
+              </a:spcBef>
+              <a:buNone/>
+            </a:pPr>
+            <a:r>
+              <a:rPr lang="en-US" sz="2400" dirty="0">
+                <a:solidFill>
+                  <a:schemeClr val="tx1"/>
+                </a:solidFill>
+                <a:latin typeface="Courier" pitchFamily="2" charset="0"/>
+                <a:cs typeface="Consolas" panose="020B0609020204030204" pitchFamily="49" charset="0"/>
+              </a:rPr>
+              <a:t>General output: (key, [value_1, value_2, …])</a:t>
+            </a:r>
+          </a:p>
+          <a:p>
+            <a:pPr marL="0" indent="0">
+              <a:spcBef>
+                <a:spcPts val="600"/>
+              </a:spcBef>
+              <a:buNone/>
+            </a:pPr>
+            <a:endParaRPr lang="en-US" sz="1800" dirty="0">
+              <a:solidFill>
+                <a:srgbClr val="0000FF"/>
+              </a:solidFill>
+              <a:latin typeface="Consolas" panose="020B0609020204030204" pitchFamily="49" charset="0"/>
+              <a:cs typeface="Consolas" panose="020B0609020204030204" pitchFamily="49" charset="0"/>
+            </a:endParaRPr>
+          </a:p>
+          <a:p>
+            <a:pPr marL="0" indent="0">
+              <a:spcBef>
+                <a:spcPts val="600"/>
+              </a:spcBef>
+              <a:buNone/>
+            </a:pPr>
+            <a:r>
+              <a:rPr lang="en-US" sz="2400" dirty="0">
+                <a:solidFill>
+                  <a:srgbClr val="0000FF"/>
+                </a:solidFill>
+                <a:latin typeface="Consolas" panose="020B0609020204030204" pitchFamily="49" charset="0"/>
+                <a:cs typeface="Consolas" panose="020B0609020204030204" pitchFamily="49" charset="0"/>
+              </a:rPr>
+              <a:t>(“</a:t>
+            </a:r>
+            <a:r>
+              <a:rPr lang="en-US" sz="2400" dirty="0" err="1">
+                <a:solidFill>
+                  <a:srgbClr val="0000FF"/>
+                </a:solidFill>
+                <a:latin typeface="Consolas" panose="020B0609020204030204" pitchFamily="49" charset="0"/>
+                <a:cs typeface="Consolas" panose="020B0609020204030204" pitchFamily="49" charset="0"/>
+              </a:rPr>
+              <a:t>USA,Cupertino</a:t>
+            </a:r>
+            <a:r>
+              <a:rPr lang="en-US" sz="2400" dirty="0">
+                <a:solidFill>
+                  <a:srgbClr val="0000FF"/>
+                </a:solidFill>
+                <a:latin typeface="Consolas" panose="020B0609020204030204" pitchFamily="49" charset="0"/>
+                <a:cs typeface="Consolas" panose="020B0609020204030204" pitchFamily="49" charset="0"/>
+              </a:rPr>
+              <a:t>”, [58, 67, 78]), </a:t>
+            </a:r>
+          </a:p>
+          <a:p>
+            <a:pPr marL="0" indent="0">
+              <a:spcBef>
+                <a:spcPts val="600"/>
+              </a:spcBef>
+              <a:buNone/>
+            </a:pPr>
+            <a:r>
+              <a:rPr lang="en-US" sz="2400" dirty="0">
+                <a:solidFill>
+                  <a:srgbClr val="0000FF"/>
+                </a:solidFill>
+                <a:latin typeface="Consolas" panose="020B0609020204030204" pitchFamily="49" charset="0"/>
+                <a:cs typeface="Consolas" panose="020B0609020204030204" pitchFamily="49" charset="0"/>
+              </a:rPr>
+              <a:t>(“</a:t>
+            </a:r>
+            <a:r>
+              <a:rPr lang="en-US" sz="2400" dirty="0" err="1">
+                <a:solidFill>
+                  <a:srgbClr val="0000FF"/>
+                </a:solidFill>
+                <a:latin typeface="Consolas" panose="020B0609020204030204" pitchFamily="49" charset="0"/>
+                <a:cs typeface="Consolas" panose="020B0609020204030204" pitchFamily="49" charset="0"/>
+              </a:rPr>
+              <a:t>USA,Sunnyvale</a:t>
+            </a:r>
+            <a:r>
+              <a:rPr lang="en-US" sz="2400" dirty="0">
+                <a:solidFill>
+                  <a:srgbClr val="0000FF"/>
+                </a:solidFill>
+                <a:latin typeface="Consolas" panose="020B0609020204030204" pitchFamily="49" charset="0"/>
+                <a:cs typeface="Consolas" panose="020B0609020204030204" pitchFamily="49" charset="0"/>
+              </a:rPr>
+              <a:t>”, [88, 77]),</a:t>
+            </a:r>
+          </a:p>
+          <a:p>
+            <a:pPr marL="0" indent="0">
+              <a:spcBef>
+                <a:spcPts val="600"/>
+              </a:spcBef>
+              <a:buNone/>
+            </a:pPr>
+            <a:r>
+              <a:rPr lang="en-US" sz="2400" dirty="0">
+                <a:solidFill>
+                  <a:srgbClr val="0000FF"/>
+                </a:solidFill>
+                <a:latin typeface="Consolas" panose="020B0609020204030204" pitchFamily="49" charset="0"/>
+                <a:cs typeface="Consolas" panose="020B0609020204030204" pitchFamily="49" charset="0"/>
+              </a:rPr>
+              <a:t>(”USA”, [58, 67, 78, 88, 77]),</a:t>
+            </a:r>
+          </a:p>
+          <a:p>
+            <a:pPr marL="0" indent="0">
+              <a:spcBef>
+                <a:spcPts val="600"/>
+              </a:spcBef>
+              <a:buNone/>
+            </a:pPr>
+            <a:r>
+              <a:rPr lang="en-US" sz="2400" dirty="0">
+                <a:solidFill>
+                  <a:srgbClr val="0000FF"/>
+                </a:solidFill>
+                <a:latin typeface="Consolas" panose="020B0609020204030204" pitchFamily="49" charset="0"/>
+                <a:cs typeface="Consolas" panose="020B0609020204030204" pitchFamily="49" charset="0"/>
+              </a:rPr>
+              <a:t>(“</a:t>
+            </a:r>
+            <a:r>
+              <a:rPr lang="en-US" sz="2400" dirty="0" err="1">
+                <a:solidFill>
+                  <a:srgbClr val="0000FF"/>
+                </a:solidFill>
+                <a:latin typeface="Consolas" panose="020B0609020204030204" pitchFamily="49" charset="0"/>
+                <a:cs typeface="Consolas" panose="020B0609020204030204" pitchFamily="49" charset="0"/>
+              </a:rPr>
+              <a:t>INDIA,Mumbai</a:t>
+            </a:r>
+            <a:r>
+              <a:rPr lang="en-US" sz="2400" dirty="0">
+                <a:solidFill>
+                  <a:srgbClr val="0000FF"/>
+                </a:solidFill>
+                <a:latin typeface="Consolas" panose="020B0609020204030204" pitchFamily="49" charset="0"/>
+                <a:cs typeface="Consolas" panose="020B0609020204030204" pitchFamily="49" charset="0"/>
+              </a:rPr>
+              <a:t>”, [90, 96]), </a:t>
+            </a:r>
+          </a:p>
+          <a:p>
+            <a:pPr marL="0" indent="0">
+              <a:spcBef>
+                <a:spcPts val="600"/>
+              </a:spcBef>
+              <a:buNone/>
+            </a:pPr>
+            <a:r>
+              <a:rPr lang="en-US" sz="2400" dirty="0">
+                <a:solidFill>
+                  <a:srgbClr val="0000FF"/>
+                </a:solidFill>
+                <a:latin typeface="Consolas" panose="020B0609020204030204" pitchFamily="49" charset="0"/>
+                <a:cs typeface="Consolas" panose="020B0609020204030204" pitchFamily="49" charset="0"/>
+              </a:rPr>
+              <a:t>(“</a:t>
+            </a:r>
+            <a:r>
+              <a:rPr lang="en-US" sz="2400" dirty="0" err="1">
+                <a:solidFill>
+                  <a:srgbClr val="0000FF"/>
+                </a:solidFill>
+                <a:latin typeface="Consolas" panose="020B0609020204030204" pitchFamily="49" charset="0"/>
+                <a:cs typeface="Consolas" panose="020B0609020204030204" pitchFamily="49" charset="0"/>
+              </a:rPr>
+              <a:t>INDIA,Agra</a:t>
+            </a:r>
+            <a:r>
+              <a:rPr lang="en-US" sz="2400" dirty="0">
+                <a:solidFill>
+                  <a:srgbClr val="0000FF"/>
+                </a:solidFill>
+                <a:latin typeface="Consolas" panose="020B0609020204030204" pitchFamily="49" charset="0"/>
+                <a:cs typeface="Consolas" panose="020B0609020204030204" pitchFamily="49" charset="0"/>
+              </a:rPr>
+              <a:t>”, [98, 92]), </a:t>
+            </a:r>
+          </a:p>
+          <a:p>
+            <a:pPr marL="0" indent="0">
+              <a:spcBef>
+                <a:spcPts val="600"/>
+              </a:spcBef>
+              <a:buNone/>
+            </a:pPr>
+            <a:r>
+              <a:rPr lang="en-US" sz="2400" dirty="0">
+                <a:solidFill>
+                  <a:srgbClr val="0000FF"/>
+                </a:solidFill>
+                <a:latin typeface="Consolas" panose="020B0609020204030204" pitchFamily="49" charset="0"/>
+                <a:cs typeface="Consolas" panose="020B0609020204030204" pitchFamily="49" charset="0"/>
+              </a:rPr>
+              <a:t>(“INDIA”, [90, 96, 98, 92])</a:t>
+            </a:r>
+          </a:p>
+          <a:p>
+            <a:pPr marL="0" indent="0">
+              <a:spcBef>
+                <a:spcPts val="600"/>
+              </a:spcBef>
+              <a:buNone/>
+            </a:pPr>
+            <a:r>
+              <a:rPr lang="en-US" sz="2400" dirty="0">
+                <a:solidFill>
+                  <a:srgbClr val="0000FF"/>
+                </a:solidFill>
+                <a:latin typeface="Consolas" panose="020B0609020204030204" pitchFamily="49" charset="0"/>
+                <a:cs typeface="Consolas" panose="020B0609020204030204" pitchFamily="49" charset="0"/>
+              </a:rPr>
+              <a:t>…</a:t>
+            </a:r>
+            <a:endParaRPr lang="en-US" sz="1800" dirty="0">
+              <a:solidFill>
+                <a:srgbClr val="0000FF"/>
+              </a:solidFill>
+              <a:latin typeface="Consolas" panose="020B0609020204030204" pitchFamily="49" charset="0"/>
+              <a:cs typeface="Consolas" panose="020B0609020204030204" pitchFamily="49" charset="0"/>
+            </a:endParaRPr>
+          </a:p>
+        </p:txBody>
+      </p:sp>
+    </p:spTree>
+    <p:extLst>
+      <p:ext uri="{BB962C8B-B14F-4D97-AF65-F5344CB8AC3E}">
+        <p14:creationId xmlns:p14="http://schemas.microsoft.com/office/powerpoint/2010/main" val="1561957220"/>
+      </p:ext>
+    </p:extLst>
+  </p:cSld>
+  <p:clrMapOvr>
+    <a:masterClrMapping/>
+  </p:clrMapOvr>
+</p:sld>
+</file>
+
+<file path=ppt/slides/slide19.xml><?xml version="1.0" encoding="utf-8"?>
+<p:sld xmlns:a="http://schemas.openxmlformats.org/drawingml/2006/main" xmlns:r="http://schemas.openxmlformats.org/officeDocument/2006/relationships" xmlns:p="http://schemas.openxmlformats.org/presentationml/2006/main">
+  <p:cSld>
+    <p:spTree>
+      <p:nvGrpSpPr>
+        <p:cNvPr id="1" name=""/>
+        <p:cNvGrpSpPr/>
+        <p:nvPr/>
+      </p:nvGrpSpPr>
+      <p:grpSpPr>
+        <a:xfrm>
+          <a:off x="0" y="0"/>
+          <a:ext cx="0" cy="0"/>
+          <a:chOff x="0" y="0"/>
+          <a:chExt cx="0" cy="0"/>
+        </a:xfrm>
+      </p:grpSpPr>
+      <p:sp>
+        <p:nvSpPr>
+          <p:cNvPr id="2" name="Title 1">
+            <a:extLst>
+              <a:ext uri="{FF2B5EF4-FFF2-40B4-BE49-F238E27FC236}">
+                <a16:creationId xmlns:a16="http://schemas.microsoft.com/office/drawing/2014/main" id="{F9F5A895-0231-5A4B-B2AC-CFB4AA99843B}"/>
+              </a:ext>
+            </a:extLst>
+          </p:cNvPr>
+          <p:cNvSpPr>
+            <a:spLocks noGrp="1"/>
+          </p:cNvSpPr>
+          <p:nvPr>
+            <p:ph type="title"/>
+          </p:nvPr>
+        </p:nvSpPr>
+        <p:spPr>
+          <a:xfrm>
+            <a:off x="838200" y="84083"/>
+            <a:ext cx="10515600" cy="683172"/>
+          </a:xfrm>
+        </p:spPr>
+        <p:txBody>
+          <a:bodyPr>
+            <a:normAutofit/>
+          </a:bodyPr>
+          <a:lstStyle/>
+          <a:p>
+            <a:r>
+              <a:rPr lang="en-US" dirty="0"/>
+              <a:t>MapReduce Working Example</a:t>
+            </a:r>
+          </a:p>
+        </p:txBody>
+      </p:sp>
+      <p:sp>
+        <p:nvSpPr>
+          <p:cNvPr id="3" name="Content Placeholder 2">
+            <a:extLst>
+              <a:ext uri="{FF2B5EF4-FFF2-40B4-BE49-F238E27FC236}">
+                <a16:creationId xmlns:a16="http://schemas.microsoft.com/office/drawing/2014/main" id="{3BD1778A-B232-474D-BA9E-B44F86DC7DBB}"/>
+              </a:ext>
+            </a:extLst>
+          </p:cNvPr>
+          <p:cNvSpPr>
+            <a:spLocks noGrp="1"/>
+          </p:cNvSpPr>
+          <p:nvPr>
+            <p:ph idx="1"/>
+          </p:nvPr>
+        </p:nvSpPr>
+        <p:spPr>
+          <a:xfrm>
+            <a:off x="838200" y="861848"/>
+            <a:ext cx="10515600" cy="5315116"/>
+          </a:xfrm>
+        </p:spPr>
+        <p:txBody>
+          <a:bodyPr>
+            <a:normAutofit/>
+          </a:bodyPr>
+          <a:lstStyle/>
+          <a:p>
+            <a:pPr marL="0" indent="0">
+              <a:spcBef>
+                <a:spcPts val="600"/>
+              </a:spcBef>
+              <a:buNone/>
+            </a:pPr>
+            <a:r>
+              <a:rPr lang="en-US" sz="3200" dirty="0">
+                <a:solidFill>
+                  <a:schemeClr val="tx1"/>
+                </a:solidFill>
+                <a:latin typeface="Consolas" panose="020B0609020204030204" pitchFamily="49" charset="0"/>
+                <a:cs typeface="Consolas" panose="020B0609020204030204" pitchFamily="49" charset="0"/>
+              </a:rPr>
+              <a:t>Sort &amp; Shuffle output: as input to reducers</a:t>
+            </a:r>
+          </a:p>
+          <a:p>
+            <a:pPr marL="0" indent="0">
+              <a:spcBef>
+                <a:spcPts val="600"/>
+              </a:spcBef>
+              <a:buNone/>
+            </a:pPr>
+            <a:endParaRPr lang="en-US" sz="1800" dirty="0">
+              <a:solidFill>
+                <a:srgbClr val="0000FF"/>
+              </a:solidFill>
+              <a:latin typeface="Consolas" panose="020B0609020204030204" pitchFamily="49" charset="0"/>
+              <a:cs typeface="Consolas" panose="020B0609020204030204" pitchFamily="49" charset="0"/>
+            </a:endParaRPr>
+          </a:p>
+          <a:p>
+            <a:pPr marL="0" indent="0">
+              <a:spcBef>
+                <a:spcPts val="600"/>
+              </a:spcBef>
+              <a:buNone/>
+            </a:pPr>
+            <a:r>
+              <a:rPr lang="en-US" sz="2400" b="1" u="sng" dirty="0">
+                <a:solidFill>
+                  <a:schemeClr val="tx1"/>
+                </a:solidFill>
+                <a:latin typeface="Consolas" panose="020B0609020204030204" pitchFamily="49" charset="0"/>
+                <a:cs typeface="Consolas" panose="020B0609020204030204" pitchFamily="49" charset="0"/>
+              </a:rPr>
+              <a:t>Output of reducers (not ordered):</a:t>
+            </a:r>
+          </a:p>
+          <a:p>
+            <a:pPr marL="0" indent="0">
+              <a:spcBef>
+                <a:spcPts val="600"/>
+              </a:spcBef>
+              <a:buNone/>
+            </a:pPr>
+            <a:r>
+              <a:rPr lang="en-US" sz="2400" dirty="0">
+                <a:solidFill>
+                  <a:srgbClr val="0000FF"/>
+                </a:solidFill>
+                <a:latin typeface="Consolas" panose="020B0609020204030204" pitchFamily="49" charset="0"/>
+                <a:cs typeface="Consolas" panose="020B0609020204030204" pitchFamily="49" charset="0"/>
+              </a:rPr>
+              <a:t>(“</a:t>
+            </a:r>
+            <a:r>
+              <a:rPr lang="en-US" sz="2400" dirty="0" err="1">
+                <a:solidFill>
+                  <a:srgbClr val="0000FF"/>
+                </a:solidFill>
+                <a:latin typeface="Consolas" panose="020B0609020204030204" pitchFamily="49" charset="0"/>
+                <a:cs typeface="Consolas" panose="020B0609020204030204" pitchFamily="49" charset="0"/>
+              </a:rPr>
+              <a:t>USA,Cupertino</a:t>
+            </a:r>
+            <a:r>
+              <a:rPr lang="en-US" sz="2400" dirty="0">
+                <a:solidFill>
+                  <a:srgbClr val="0000FF"/>
+                </a:solidFill>
+                <a:latin typeface="Consolas" panose="020B0609020204030204" pitchFamily="49" charset="0"/>
+                <a:cs typeface="Consolas" panose="020B0609020204030204" pitchFamily="49" charset="0"/>
+              </a:rPr>
+              <a:t>”, 67.67), </a:t>
+            </a:r>
+          </a:p>
+          <a:p>
+            <a:pPr marL="0" indent="0">
+              <a:spcBef>
+                <a:spcPts val="600"/>
+              </a:spcBef>
+              <a:buNone/>
+            </a:pPr>
+            <a:r>
+              <a:rPr lang="en-US" sz="2400" dirty="0">
+                <a:solidFill>
+                  <a:srgbClr val="0000FF"/>
+                </a:solidFill>
+                <a:latin typeface="Consolas" panose="020B0609020204030204" pitchFamily="49" charset="0"/>
+                <a:cs typeface="Consolas" panose="020B0609020204030204" pitchFamily="49" charset="0"/>
+              </a:rPr>
+              <a:t>(“</a:t>
+            </a:r>
+            <a:r>
+              <a:rPr lang="en-US" sz="2400" dirty="0" err="1">
+                <a:solidFill>
+                  <a:srgbClr val="0000FF"/>
+                </a:solidFill>
+                <a:latin typeface="Consolas" panose="020B0609020204030204" pitchFamily="49" charset="0"/>
+                <a:cs typeface="Consolas" panose="020B0609020204030204" pitchFamily="49" charset="0"/>
+              </a:rPr>
+              <a:t>USA,Sunnyvale</a:t>
+            </a:r>
+            <a:r>
+              <a:rPr lang="en-US" sz="2400" dirty="0">
+                <a:solidFill>
+                  <a:srgbClr val="0000FF"/>
+                </a:solidFill>
+                <a:latin typeface="Consolas" panose="020B0609020204030204" pitchFamily="49" charset="0"/>
+                <a:cs typeface="Consolas" panose="020B0609020204030204" pitchFamily="49" charset="0"/>
+              </a:rPr>
+              <a:t>”, 82.5),</a:t>
+            </a:r>
+          </a:p>
+          <a:p>
+            <a:pPr marL="0" indent="0">
+              <a:spcBef>
+                <a:spcPts val="600"/>
+              </a:spcBef>
+              <a:buNone/>
+            </a:pPr>
+            <a:r>
+              <a:rPr lang="en-US" sz="2400" dirty="0">
+                <a:solidFill>
+                  <a:srgbClr val="0000FF"/>
+                </a:solidFill>
+                <a:latin typeface="Consolas" panose="020B0609020204030204" pitchFamily="49" charset="0"/>
+                <a:cs typeface="Consolas" panose="020B0609020204030204" pitchFamily="49" charset="0"/>
+              </a:rPr>
+              <a:t>(”USA”, 73.6),</a:t>
+            </a:r>
+          </a:p>
+          <a:p>
+            <a:pPr marL="0" indent="0">
+              <a:spcBef>
+                <a:spcPts val="600"/>
+              </a:spcBef>
+              <a:buNone/>
+            </a:pPr>
+            <a:r>
+              <a:rPr lang="en-US" sz="2400" dirty="0">
+                <a:solidFill>
+                  <a:srgbClr val="0000FF"/>
+                </a:solidFill>
+                <a:latin typeface="Consolas" panose="020B0609020204030204" pitchFamily="49" charset="0"/>
+                <a:cs typeface="Consolas" panose="020B0609020204030204" pitchFamily="49" charset="0"/>
+              </a:rPr>
+              <a:t>(“</a:t>
+            </a:r>
+            <a:r>
+              <a:rPr lang="en-US" sz="2400" dirty="0" err="1">
+                <a:solidFill>
+                  <a:srgbClr val="0000FF"/>
+                </a:solidFill>
+                <a:latin typeface="Consolas" panose="020B0609020204030204" pitchFamily="49" charset="0"/>
+                <a:cs typeface="Consolas" panose="020B0609020204030204" pitchFamily="49" charset="0"/>
+              </a:rPr>
+              <a:t>INDIA,Mumbai</a:t>
+            </a:r>
+            <a:r>
+              <a:rPr lang="en-US" sz="2400" dirty="0">
+                <a:solidFill>
+                  <a:srgbClr val="0000FF"/>
+                </a:solidFill>
+                <a:latin typeface="Consolas" panose="020B0609020204030204" pitchFamily="49" charset="0"/>
+                <a:cs typeface="Consolas" panose="020B0609020204030204" pitchFamily="49" charset="0"/>
+              </a:rPr>
+              <a:t>”, 93), </a:t>
+            </a:r>
+          </a:p>
+          <a:p>
+            <a:pPr marL="0" indent="0">
+              <a:spcBef>
+                <a:spcPts val="600"/>
+              </a:spcBef>
+              <a:buNone/>
+            </a:pPr>
+            <a:r>
+              <a:rPr lang="en-US" sz="2400" dirty="0">
+                <a:solidFill>
+                  <a:srgbClr val="0000FF"/>
+                </a:solidFill>
+                <a:latin typeface="Consolas" panose="020B0609020204030204" pitchFamily="49" charset="0"/>
+                <a:cs typeface="Consolas" panose="020B0609020204030204" pitchFamily="49" charset="0"/>
+              </a:rPr>
+              <a:t>(“</a:t>
+            </a:r>
+            <a:r>
+              <a:rPr lang="en-US" sz="2400" dirty="0" err="1">
+                <a:solidFill>
+                  <a:srgbClr val="0000FF"/>
+                </a:solidFill>
+                <a:latin typeface="Consolas" panose="020B0609020204030204" pitchFamily="49" charset="0"/>
+                <a:cs typeface="Consolas" panose="020B0609020204030204" pitchFamily="49" charset="0"/>
+              </a:rPr>
+              <a:t>INDIA,Agra</a:t>
+            </a:r>
+            <a:r>
+              <a:rPr lang="en-US" sz="2400" dirty="0">
+                <a:solidFill>
+                  <a:srgbClr val="0000FF"/>
+                </a:solidFill>
+                <a:latin typeface="Consolas" panose="020B0609020204030204" pitchFamily="49" charset="0"/>
+                <a:cs typeface="Consolas" panose="020B0609020204030204" pitchFamily="49" charset="0"/>
+              </a:rPr>
+              <a:t>”, 95), </a:t>
+            </a:r>
+          </a:p>
+          <a:p>
+            <a:pPr marL="0" indent="0">
+              <a:spcBef>
+                <a:spcPts val="600"/>
+              </a:spcBef>
+              <a:buNone/>
+            </a:pPr>
+            <a:r>
+              <a:rPr lang="en-US" sz="2400" dirty="0">
+                <a:solidFill>
+                  <a:srgbClr val="0000FF"/>
+                </a:solidFill>
+                <a:latin typeface="Consolas" panose="020B0609020204030204" pitchFamily="49" charset="0"/>
+                <a:cs typeface="Consolas" panose="020B0609020204030204" pitchFamily="49" charset="0"/>
+              </a:rPr>
+              <a:t>(“INDIA”, 94)</a:t>
+            </a:r>
+          </a:p>
+          <a:p>
+            <a:pPr marL="0" indent="0">
+              <a:spcBef>
+                <a:spcPts val="600"/>
+              </a:spcBef>
+              <a:buNone/>
+            </a:pPr>
+            <a:r>
+              <a:rPr lang="en-US" sz="2400" dirty="0">
+                <a:solidFill>
+                  <a:srgbClr val="0000FF"/>
+                </a:solidFill>
+                <a:latin typeface="Consolas" panose="020B0609020204030204" pitchFamily="49" charset="0"/>
+                <a:cs typeface="Consolas" panose="020B0609020204030204" pitchFamily="49" charset="0"/>
+              </a:rPr>
+              <a:t>…</a:t>
+            </a:r>
+            <a:endParaRPr lang="en-US" sz="1800" dirty="0">
+              <a:solidFill>
+                <a:srgbClr val="0000FF"/>
+              </a:solidFill>
+              <a:latin typeface="Consolas" panose="020B0609020204030204" pitchFamily="49" charset="0"/>
+              <a:cs typeface="Consolas" panose="020B0609020204030204" pitchFamily="49" charset="0"/>
+            </a:endParaRPr>
+          </a:p>
+        </p:txBody>
+      </p:sp>
+    </p:spTree>
+    <p:extLst>
+      <p:ext uri="{BB962C8B-B14F-4D97-AF65-F5344CB8AC3E}">
+        <p14:creationId xmlns:p14="http://schemas.microsoft.com/office/powerpoint/2010/main" val="2972796941"/>
       </p:ext>
     </p:extLst>
   </p:cSld>
@@ -9706,6 +10671,162 @@
     <p:extLst>
       <p:ext uri="{BB962C8B-B14F-4D97-AF65-F5344CB8AC3E}">
         <p14:creationId xmlns:p14="http://schemas.microsoft.com/office/powerpoint/2010/main" val="1696486583"/>
+      </p:ext>
+    </p:extLst>
+  </p:cSld>
+  <p:clrMapOvr>
+    <a:masterClrMapping/>
+  </p:clrMapOvr>
+</p:sld>
+</file>
+
+<file path=ppt/slides/slide20.xml><?xml version="1.0" encoding="utf-8"?>
+<p:sld xmlns:a="http://schemas.openxmlformats.org/drawingml/2006/main" xmlns:r="http://schemas.openxmlformats.org/officeDocument/2006/relationships" xmlns:p="http://schemas.openxmlformats.org/presentationml/2006/main">
+  <p:cSld>
+    <p:spTree>
+      <p:nvGrpSpPr>
+        <p:cNvPr id="1" name=""/>
+        <p:cNvGrpSpPr/>
+        <p:nvPr/>
+      </p:nvGrpSpPr>
+      <p:grpSpPr>
+        <a:xfrm>
+          <a:off x="0" y="0"/>
+          <a:ext cx="0" cy="0"/>
+          <a:chOff x="0" y="0"/>
+          <a:chExt cx="0" cy="0"/>
+        </a:xfrm>
+      </p:grpSpPr>
+      <p:sp>
+        <p:nvSpPr>
+          <p:cNvPr id="2" name="Title 1">
+            <a:extLst>
+              <a:ext uri="{FF2B5EF4-FFF2-40B4-BE49-F238E27FC236}">
+                <a16:creationId xmlns:a16="http://schemas.microsoft.com/office/drawing/2014/main" id="{D9412A32-9C70-A84C-BD70-6B6F25B705D0}"/>
+              </a:ext>
+            </a:extLst>
+          </p:cNvPr>
+          <p:cNvSpPr>
+            <a:spLocks noGrp="1"/>
+          </p:cNvSpPr>
+          <p:nvPr>
+            <p:ph type="title"/>
+          </p:nvPr>
+        </p:nvSpPr>
+        <p:spPr/>
+        <p:txBody>
+          <a:bodyPr/>
+          <a:lstStyle/>
+          <a:p>
+            <a:r>
+              <a:rPr lang="en-US" dirty="0"/>
+              <a:t>References </a:t>
+            </a:r>
+          </a:p>
+        </p:txBody>
+      </p:sp>
+      <p:sp>
+        <p:nvSpPr>
+          <p:cNvPr id="3" name="Content Placeholder 2">
+            <a:extLst>
+              <a:ext uri="{FF2B5EF4-FFF2-40B4-BE49-F238E27FC236}">
+                <a16:creationId xmlns:a16="http://schemas.microsoft.com/office/drawing/2014/main" id="{F729D696-28C9-7748-ADC9-DFD039AC4408}"/>
+              </a:ext>
+            </a:extLst>
+          </p:cNvPr>
+          <p:cNvSpPr>
+            <a:spLocks noGrp="1"/>
+          </p:cNvSpPr>
+          <p:nvPr>
+            <p:ph idx="1"/>
+          </p:nvPr>
+        </p:nvSpPr>
+        <p:spPr/>
+        <p:txBody>
+          <a:bodyPr>
+            <a:normAutofit fontScale="92500" lnSpcReduction="20000"/>
+          </a:bodyPr>
+          <a:lstStyle/>
+          <a:p>
+            <a:pPr marL="0" indent="0">
+              <a:buNone/>
+            </a:pPr>
+            <a:r>
+              <a:rPr lang="en-US" sz="3200" dirty="0"/>
+              <a:t>1. </a:t>
+            </a:r>
+            <a:r>
+              <a:rPr lang="en-US" sz="3200" dirty="0" err="1"/>
+              <a:t>Monoidify</a:t>
+            </a:r>
+            <a:r>
+              <a:rPr lang="en-US" sz="3200" dirty="0"/>
+              <a:t>! Monoids as a Design Principle for Efficient MapReduce Algorithms (paper)  </a:t>
+            </a:r>
+          </a:p>
+          <a:p>
+            <a:pPr marL="0" indent="0">
+              <a:buNone/>
+            </a:pPr>
+            <a:r>
+              <a:rPr lang="en-US" sz="3200" dirty="0"/>
+              <a:t>by Jimmy Lin</a:t>
+            </a:r>
+          </a:p>
+          <a:p>
+            <a:pPr marL="0" indent="0">
+              <a:buNone/>
+            </a:pPr>
+            <a:endParaRPr lang="en-US" sz="3200" dirty="0"/>
+          </a:p>
+          <a:p>
+            <a:pPr marL="0" indent="0">
+              <a:buNone/>
+            </a:pPr>
+            <a:r>
+              <a:rPr lang="en-US" sz="3200" dirty="0"/>
+              <a:t>2. Data Algorithms  (book) , Publisher: O’Reilly </a:t>
+            </a:r>
+          </a:p>
+          <a:p>
+            <a:pPr marL="0" indent="0">
+              <a:buNone/>
+            </a:pPr>
+            <a:r>
+              <a:rPr lang="en-US" sz="3200" dirty="0"/>
+              <a:t>by Mahmoud Parsian</a:t>
+            </a:r>
+          </a:p>
+          <a:p>
+            <a:pPr marL="0" indent="0">
+              <a:buNone/>
+            </a:pPr>
+            <a:endParaRPr lang="en-US" sz="3200" dirty="0"/>
+          </a:p>
+          <a:p>
+            <a:pPr marL="0" indent="0">
+              <a:buNone/>
+            </a:pPr>
+            <a:r>
+              <a:rPr lang="en-US" sz="3200" dirty="0"/>
+              <a:t>3. Data Algorithms with Spark (book) , Publisher: O’Reilly </a:t>
+            </a:r>
+          </a:p>
+          <a:p>
+            <a:pPr marL="0" indent="0">
+              <a:buNone/>
+            </a:pPr>
+            <a:r>
+              <a:rPr lang="en-US" sz="3200" dirty="0"/>
+              <a:t>by Mahmoud Parsian</a:t>
+            </a:r>
+          </a:p>
+        </p:txBody>
+      </p:sp>
+    </p:spTree>
+    <p:extLst>
+      <p:ext uri="{BB962C8B-B14F-4D97-AF65-F5344CB8AC3E}">
+        <p14:creationId xmlns:p14="http://schemas.microsoft.com/office/powerpoint/2010/main" val="109772210"/>
       </p:ext>
     </p:extLst>
   </p:cSld>
@@ -9981,7 +11102,7 @@
                 <a:latin typeface="Courier New" panose="02070309020205020404" pitchFamily="49" charset="0"/>
                 <a:cs typeface="Courier New" panose="02070309020205020404" pitchFamily="49" charset="0"/>
               </a:rPr>
-              <a:t>/temp/</a:t>
+              <a:t>/data/</a:t>
             </a:r>
           </a:p>
           <a:p>
@@ -10025,7 +11146,7 @@
                 <a:latin typeface="Courier New" panose="02070309020205020404" pitchFamily="49" charset="0"/>
                 <a:cs typeface="Courier New" panose="02070309020205020404" pitchFamily="49" charset="0"/>
               </a:rPr>
-              <a:t>/temp/</a:t>
+              <a:t>/data/</a:t>
             </a:r>
             <a:r>
               <a:rPr lang="en-US" sz="3200" dirty="0" err="1">
@@ -10062,7 +11183,7 @@
                 <a:latin typeface="Courier New" panose="02070309020205020404" pitchFamily="49" charset="0"/>
                 <a:cs typeface="Courier New" panose="02070309020205020404" pitchFamily="49" charset="0"/>
               </a:rPr>
-              <a:t>/temp/</a:t>
+              <a:t>/data/</a:t>
             </a:r>
             <a:r>
               <a:rPr lang="en-US" sz="3200" dirty="0" err="1">
@@ -10099,7 +11220,7 @@
                 <a:latin typeface="Courier New" panose="02070309020205020404" pitchFamily="49" charset="0"/>
                 <a:cs typeface="Courier New" panose="02070309020205020404" pitchFamily="49" charset="0"/>
               </a:rPr>
-              <a:t>/temp/</a:t>
+              <a:t>/data/</a:t>
             </a:r>
             <a:r>
               <a:rPr lang="en-US" sz="3200" dirty="0" err="1">
@@ -10249,41 +11370,21 @@
                 <a:latin typeface="Courier New" panose="02070309020205020404" pitchFamily="49" charset="0"/>
                 <a:cs typeface="Courier New" panose="02070309020205020404" pitchFamily="49" charset="0"/>
               </a:rPr>
-              <a:t>/</a:t>
-            </a:r>
-            <a:r>
-              <a:rPr lang="en-US" sz="3600" b="1" dirty="0" err="1">
+              <a:t>/output/</a:t>
+            </a:r>
+          </a:p>
+          <a:p>
+            <a:pPr marL="0" indent="0">
+              <a:buNone/>
+            </a:pPr>
+            <a:r>
+              <a:rPr lang="en-US" sz="4000" b="1" dirty="0">
+                <a:solidFill>
+                  <a:srgbClr val="0070C0"/>
+                </a:solidFill>
                 <a:highlight>
                   <a:srgbClr val="C0C0C0"/>
                 </a:highlight>
-                <a:latin typeface="Courier New" panose="02070309020205020404" pitchFamily="49" charset="0"/>
-                <a:cs typeface="Courier New" panose="02070309020205020404" pitchFamily="49" charset="0"/>
-              </a:rPr>
-              <a:t>temp_output</a:t>
-            </a:r>
-            <a:r>
-              <a:rPr lang="en-US" sz="3600" b="1" dirty="0">
-                <a:highlight>
-                  <a:srgbClr val="C0C0C0"/>
-                </a:highlight>
-                <a:latin typeface="Courier New" panose="02070309020205020404" pitchFamily="49" charset="0"/>
-                <a:cs typeface="Courier New" panose="02070309020205020404" pitchFamily="49" charset="0"/>
-              </a:rPr>
-              <a:t>/</a:t>
-            </a:r>
-          </a:p>
-          <a:p>
-            <a:pPr marL="0" indent="0">
-              <a:buNone/>
-            </a:pPr>
-            <a:r>
-              <a:rPr lang="en-US" sz="4000" b="1" dirty="0">
-                <a:solidFill>
-                  <a:srgbClr val="0070C0"/>
-                </a:solidFill>
-                <a:highlight>
-                  <a:srgbClr val="C0C0C0"/>
-                </a:highlight>
               </a:rPr>
               <a:t>One output file is created per partition:</a:t>
             </a:r>
@@ -10311,21 +11412,33 @@
                 <a:latin typeface="Courier New" panose="02070309020205020404" pitchFamily="49" charset="0"/>
                 <a:cs typeface="Courier New" panose="02070309020205020404" pitchFamily="49" charset="0"/>
               </a:rPr>
-              <a:t>/</a:t>
+              <a:t>/output/_SUCCESS</a:t>
+            </a:r>
+          </a:p>
+          <a:p>
+            <a:pPr marL="0" indent="0">
+              <a:buNone/>
+            </a:pPr>
+            <a:r>
+              <a:rPr lang="en-US" sz="3200" dirty="0">
+                <a:latin typeface="Courier New" panose="02070309020205020404" pitchFamily="49" charset="0"/>
+                <a:cs typeface="Courier New" panose="02070309020205020404" pitchFamily="49" charset="0"/>
+              </a:rPr>
+              <a:t>s3://</a:t>
             </a:r>
             <a:r>
               <a:rPr lang="en-US" sz="3200" dirty="0" err="1">
                 <a:latin typeface="Courier New" panose="02070309020205020404" pitchFamily="49" charset="0"/>
                 <a:cs typeface="Courier New" panose="02070309020205020404" pitchFamily="49" charset="0"/>
               </a:rPr>
-              <a:t>temp_output</a:t>
+              <a:t>my_bucket</a:t>
             </a:r>
             <a:r>
               <a:rPr lang="en-US" sz="3200" dirty="0">
                 <a:latin typeface="Courier New" panose="02070309020205020404" pitchFamily="49" charset="0"/>
                 <a:cs typeface="Courier New" panose="02070309020205020404" pitchFamily="49" charset="0"/>
               </a:rPr>
-              <a:t>/_SUCCESS</a:t>
+              <a:t>/output/part1</a:t>
             </a:r>
           </a:p>
           <a:p>
@@ -10351,21 +11464,33 @@
                 <a:latin typeface="Courier New" panose="02070309020205020404" pitchFamily="49" charset="0"/>
                 <a:cs typeface="Courier New" panose="02070309020205020404" pitchFamily="49" charset="0"/>
               </a:rPr>
-              <a:t>/</a:t>
+              <a:t>/output/part2</a:t>
+            </a:r>
+          </a:p>
+          <a:p>
+            <a:pPr marL="0" indent="0">
+              <a:buNone/>
+            </a:pPr>
+            <a:r>
+              <a:rPr lang="en-US" sz="3200" dirty="0">
+                <a:latin typeface="Courier New" panose="02070309020205020404" pitchFamily="49" charset="0"/>
+                <a:cs typeface="Courier New" panose="02070309020205020404" pitchFamily="49" charset="0"/>
+              </a:rPr>
+              <a:t>s3://</a:t>
             </a:r>
             <a:r>
               <a:rPr lang="en-US" sz="3200" dirty="0" err="1">
                 <a:latin typeface="Courier New" panose="02070309020205020404" pitchFamily="49" charset="0"/>
                 <a:cs typeface="Courier New" panose="02070309020205020404" pitchFamily="49" charset="0"/>
               </a:rPr>
-              <a:t>temp_output</a:t>
+              <a:t>my_bucket</a:t>
             </a:r>
             <a:r>
               <a:rPr lang="en-US" sz="3200" dirty="0">
                 <a:latin typeface="Courier New" panose="02070309020205020404" pitchFamily="49" charset="0"/>
                 <a:cs typeface="Courier New" panose="02070309020205020404" pitchFamily="49" charset="0"/>
               </a:rPr>
-              <a:t>/part1</a:t>
+              <a:t>/output/part3</a:t>
             </a:r>
           </a:p>
           <a:p>
@@ -10377,115 +11502,7 @@
                 <a:latin typeface="Courier New" panose="02070309020205020404" pitchFamily="49" charset="0"/>
                 <a:cs typeface="Courier New" panose="02070309020205020404" pitchFamily="49" charset="0"/>
               </a:rPr>
-              <a:t>s3://</a:t>
-            </a:r>
-            <a:r>
-              <a:rPr lang="en-US" sz="3200" dirty="0" err="1">
-                <a:latin typeface="Courier New" panose="02070309020205020404" pitchFamily="49" charset="0"/>
-                <a:cs typeface="Courier New" panose="02070309020205020404" pitchFamily="49" charset="0"/>
-              </a:rPr>
-              <a:t>my_bucket</a:t>
-            </a:r>
-            <a:r>
-              <a:rPr lang="en-US" sz="3200" dirty="0">
-                <a:latin typeface="Courier New" panose="02070309020205020404" pitchFamily="49" charset="0"/>
-                <a:cs typeface="Courier New" panose="02070309020205020404" pitchFamily="49" charset="0"/>
-              </a:rPr>
-              <a:t>/</a:t>
-            </a:r>
-            <a:r>
-              <a:rPr lang="en-US" sz="3200" dirty="0" err="1">
-                <a:latin typeface="Courier New" panose="02070309020205020404" pitchFamily="49" charset="0"/>
-                <a:cs typeface="Courier New" panose="02070309020205020404" pitchFamily="49" charset="0"/>
-              </a:rPr>
-              <a:t>temp_output</a:t>
-            </a:r>
-            <a:r>
-              <a:rPr lang="en-US" sz="3200" dirty="0">
-                <a:latin typeface="Courier New" panose="02070309020205020404" pitchFamily="49" charset="0"/>
-                <a:cs typeface="Courier New" panose="02070309020205020404" pitchFamily="49" charset="0"/>
-              </a:rPr>
-              <a:t>/part2</a:t>
-            </a:r>
-          </a:p>
-          <a:p>
-            <a:pPr marL="0" indent="0">
-              <a:buNone/>
-            </a:pPr>
-            <a:r>
-              <a:rPr lang="en-US" sz="3200" dirty="0">
-                <a:latin typeface="Courier New" panose="02070309020205020404" pitchFamily="49" charset="0"/>
-                <a:cs typeface="Courier New" panose="02070309020205020404" pitchFamily="49" charset="0"/>
-              </a:rPr>
-              <a:t>s3://</a:t>
-            </a:r>
-            <a:r>
-              <a:rPr lang="en-US" sz="3200" dirty="0" err="1">
-                <a:latin typeface="Courier New" panose="02070309020205020404" pitchFamily="49" charset="0"/>
-                <a:cs typeface="Courier New" panose="02070309020205020404" pitchFamily="49" charset="0"/>
-              </a:rPr>
-              <a:t>my_bucket</a:t>
-            </a:r>
-            <a:r>
-              <a:rPr lang="en-US" sz="3200" dirty="0">
-                <a:latin typeface="Courier New" panose="02070309020205020404" pitchFamily="49" charset="0"/>
-                <a:cs typeface="Courier New" panose="02070309020205020404" pitchFamily="49" charset="0"/>
-              </a:rPr>
-              <a:t>/</a:t>
-            </a:r>
-            <a:r>
-              <a:rPr lang="en-US" sz="3200" dirty="0" err="1">
-                <a:latin typeface="Courier New" panose="02070309020205020404" pitchFamily="49" charset="0"/>
-                <a:cs typeface="Courier New" panose="02070309020205020404" pitchFamily="49" charset="0"/>
-              </a:rPr>
-              <a:t>temp_output</a:t>
-            </a:r>
-            <a:r>
-              <a:rPr lang="en-US" sz="3200" dirty="0">
-                <a:latin typeface="Courier New" panose="02070309020205020404" pitchFamily="49" charset="0"/>
-                <a:cs typeface="Courier New" panose="02070309020205020404" pitchFamily="49" charset="0"/>
-              </a:rPr>
-              <a:t>/part3</a:t>
-            </a:r>
-          </a:p>
-          <a:p>
-            <a:pPr marL="0" indent="0">
-              <a:buNone/>
-            </a:pPr>
-            <a:r>
-              <a:rPr lang="en-US" sz="3200" dirty="0">
-                <a:latin typeface="Courier New" panose="02070309020205020404" pitchFamily="49" charset="0"/>
-                <a:cs typeface="Courier New" panose="02070309020205020404" pitchFamily="49" charset="0"/>
-              </a:rPr>
-              <a:t>s3://</a:t>
-            </a:r>
-            <a:r>
-              <a:rPr lang="en-US" sz="3200" dirty="0" err="1">
-                <a:latin typeface="Courier New" panose="02070309020205020404" pitchFamily="49" charset="0"/>
-                <a:cs typeface="Courier New" panose="02070309020205020404" pitchFamily="49" charset="0"/>
-              </a:rPr>
-              <a:t>my_bucket</a:t>
-            </a:r>
-            <a:r>
-              <a:rPr lang="en-US" sz="3200" dirty="0">
-                <a:latin typeface="Courier New" panose="02070309020205020404" pitchFamily="49" charset="0"/>
-                <a:cs typeface="Courier New" panose="02070309020205020404" pitchFamily="49" charset="0"/>
-              </a:rPr>
-              <a:t>/</a:t>
-            </a:r>
-            <a:r>
-              <a:rPr lang="en-US" sz="3200" dirty="0" err="1">
-                <a:latin typeface="Courier New" panose="02070309020205020404" pitchFamily="49" charset="0"/>
-                <a:cs typeface="Courier New" panose="02070309020205020404" pitchFamily="49" charset="0"/>
-              </a:rPr>
-              <a:t>temp_output</a:t>
-            </a:r>
-            <a:r>
-              <a:rPr lang="en-US" sz="3200" dirty="0">
-                <a:latin typeface="Courier New" panose="02070309020205020404" pitchFamily="49" charset="0"/>
-                <a:cs typeface="Courier New" panose="02070309020205020404" pitchFamily="49" charset="0"/>
-              </a:rPr>
-              <a:t>/part4</a:t>
+              <a:t>…</a:t>
             </a:r>
           </a:p>
           <a:p>
@@ -10606,7 +11623,7 @@
             </a:pPr>
             <a:r>
               <a:rPr lang="en-US" dirty="0"/>
-              <a:t># key: is a record number, to be ignored by mappers </a:t>
+              <a:t># key: is a record number, to be ignored by mappers (not needed) </a:t>
             </a:r>
           </a:p>
           <a:p>
@@ -11105,16 +12122,6 @@
               <a:t>“</a:t>
             </a:r>
             <a:r>
-              <a:rPr lang="en-US" sz="1800" dirty="0" err="1">
-                <a:solidFill>
-                  <a:srgbClr val="0000FF"/>
-                </a:solidFill>
-                <a:latin typeface="Consolas" panose="020B0609020204030204" pitchFamily="49" charset="0"/>
-                <a:cs typeface="Consolas" panose="020B0609020204030204" pitchFamily="49" charset="0"/>
-              </a:rPr>
-              <a:t>USA,Cupertino</a:t>
-            </a:r>
-            <a:r>
               <a:rPr lang="en-US" sz="1800" dirty="0">
                 <a:solidFill>
                   <a:srgbClr val="0000FF"/>
@@ -11122,7 +12129,7 @@
                 <a:latin typeface="Consolas" panose="020B0609020204030204" pitchFamily="49" charset="0"/>
                 <a:cs typeface="Consolas" panose="020B0609020204030204" pitchFamily="49" charset="0"/>
               </a:rPr>
-              <a:t>”, 73)</a:t>
+              <a:t>USA,Cupertino”, 73)</a:t>
             </a:r>
           </a:p>
           <a:p>
@@ -11667,14 +12674,14 @@
           <a:p>
             <a:r>
               <a:rPr lang="en-US" dirty="0"/>
-              <a:t>What if we want to find average </a:t>
+              <a:t>What if we want to find average temperatures </a:t>
             </a:r>
             <a:br>
               <a:rPr lang="en-US" dirty="0"/>
             </a:br>
             <a:r>
               <a:rPr lang="en-US" dirty="0"/>
-              <a:t>temperatures by country as well</a:t>
+              <a:t>by country as well for Positive temperatures</a:t>
             </a:r>
           </a:p>
         </p:txBody>
@@ -11874,27 +12881,7 @@
                 <a:latin typeface="Consolas" panose="020B0609020204030204" pitchFamily="49" charset="0"/>
                 <a:cs typeface="Consolas" panose="020B0609020204030204" pitchFamily="49" charset="0"/>
               </a:rPr>
-              <a:t>   </a:t>
-            </a:r>
-            <a:r>
-              <a:rPr lang="en-US" sz="1800" dirty="0" err="1">
-                <a:solidFill>
-                  <a:srgbClr val="0000FF"/>
-                </a:solidFill>
-                <a:latin typeface="Consolas" panose="020B0609020204030204" pitchFamily="49" charset="0"/>
-                <a:cs typeface="Consolas" panose="020B0609020204030204" pitchFamily="49" charset="0"/>
-              </a:rPr>
-              <a:t>new_key</a:t>
-            </a:r>
-            <a:r>
-              <a:rPr lang="en-US" sz="1800" dirty="0">
-                <a:solidFill>
-                  <a:srgbClr val="0000FF"/>
-                </a:solidFill>
-                <a:latin typeface="Consolas" panose="020B0609020204030204" pitchFamily="49" charset="0"/>
-                <a:cs typeface="Consolas" panose="020B0609020204030204" pitchFamily="49" charset="0"/>
-              </a:rPr>
-              <a:t> = country + “,” + city</a:t>
+              <a:t>   new_key = country + “,” + city</a:t>
             </a:r>
           </a:p>
           <a:p>
@@ -11932,27 +12919,7 @@
                 <a:latin typeface="Consolas" panose="020B0609020204030204" pitchFamily="49" charset="0"/>
                 <a:cs typeface="Consolas" panose="020B0609020204030204" pitchFamily="49" charset="0"/>
               </a:rPr>
-              <a:t>      emit(</a:t>
-            </a:r>
-            <a:r>
-              <a:rPr lang="en-US" sz="1800" b="1" dirty="0" err="1">
-                <a:solidFill>
-                  <a:srgbClr val="002060"/>
-                </a:solidFill>
-                <a:latin typeface="Consolas" panose="020B0609020204030204" pitchFamily="49" charset="0"/>
-                <a:cs typeface="Consolas" panose="020B0609020204030204" pitchFamily="49" charset="0"/>
-              </a:rPr>
-              <a:t>new_key</a:t>
-            </a:r>
-            <a:r>
-              <a:rPr lang="en-US" sz="1800" b="1" dirty="0">
-                <a:solidFill>
-                  <a:srgbClr val="002060"/>
-                </a:solidFill>
-                <a:latin typeface="Consolas" panose="020B0609020204030204" pitchFamily="49" charset="0"/>
-                <a:cs typeface="Consolas" panose="020B0609020204030204" pitchFamily="49" charset="0"/>
-              </a:rPr>
-              <a:t>, temperature)</a:t>
+              <a:t>      emit(new_key, temperature)</a:t>
             </a:r>
           </a:p>
           <a:p>
